--- a/Submittables/mockup_v2.pptx
+++ b/Submittables/mockup_v2.pptx
@@ -5,7 +5,7 @@
     <p:sldMasterId id="2147483648" r:id="rId1"/>
   </p:sldMasterIdLst>
   <p:notesMasterIdLst>
-    <p:notesMasterId r:id="rId11"/>
+    <p:notesMasterId r:id="rId13"/>
   </p:notesMasterIdLst>
   <p:sldIdLst>
     <p:sldId id="259" r:id="rId2"/>
@@ -17,6 +17,8 @@
     <p:sldId id="262" r:id="rId8"/>
     <p:sldId id="263" r:id="rId9"/>
     <p:sldId id="264" r:id="rId10"/>
+    <p:sldId id="267" r:id="rId11"/>
+    <p:sldId id="265" r:id="rId12"/>
   </p:sldIdLst>
   <p:sldSz cx="12192000" cy="6858000"/>
   <p:notesSz cx="6858000" cy="9144000"/>
@@ -205,7 +207,7 @@
           <a:p>
             <a:fld id="{13E3C5B3-54F4-410B-A568-F591AF6E56AD}" type="datetimeFigureOut">
               <a:rPr lang="en-GB" smtClean="0"/>
-              <a:t>14/02/2024</a:t>
+              <a:t>15/02/2024</a:t>
             </a:fld>
             <a:endParaRPr lang="en-GB"/>
           </a:p>
@@ -703,7 +705,7 @@
           <a:p>
             <a:fld id="{FE583036-9724-49DD-BF4C-6F9617AF197A}" type="datetimeFigureOut">
               <a:rPr lang="en-GB" smtClean="0"/>
-              <a:t>14/02/2024</a:t>
+              <a:t>15/02/2024</a:t>
             </a:fld>
             <a:endParaRPr lang="en-GB"/>
           </a:p>
@@ -901,7 +903,7 @@
           <a:p>
             <a:fld id="{FE583036-9724-49DD-BF4C-6F9617AF197A}" type="datetimeFigureOut">
               <a:rPr lang="en-GB" smtClean="0"/>
-              <a:t>14/02/2024</a:t>
+              <a:t>15/02/2024</a:t>
             </a:fld>
             <a:endParaRPr lang="en-GB"/>
           </a:p>
@@ -1109,7 +1111,7 @@
           <a:p>
             <a:fld id="{FE583036-9724-49DD-BF4C-6F9617AF197A}" type="datetimeFigureOut">
               <a:rPr lang="en-GB" smtClean="0"/>
-              <a:t>14/02/2024</a:t>
+              <a:t>15/02/2024</a:t>
             </a:fld>
             <a:endParaRPr lang="en-GB"/>
           </a:p>
@@ -1307,7 +1309,7 @@
           <a:p>
             <a:fld id="{FE583036-9724-49DD-BF4C-6F9617AF197A}" type="datetimeFigureOut">
               <a:rPr lang="en-GB" smtClean="0"/>
-              <a:t>14/02/2024</a:t>
+              <a:t>15/02/2024</a:t>
             </a:fld>
             <a:endParaRPr lang="en-GB"/>
           </a:p>
@@ -1582,7 +1584,7 @@
           <a:p>
             <a:fld id="{FE583036-9724-49DD-BF4C-6F9617AF197A}" type="datetimeFigureOut">
               <a:rPr lang="en-GB" smtClean="0"/>
-              <a:t>14/02/2024</a:t>
+              <a:t>15/02/2024</a:t>
             </a:fld>
             <a:endParaRPr lang="en-GB"/>
           </a:p>
@@ -1847,7 +1849,7 @@
           <a:p>
             <a:fld id="{FE583036-9724-49DD-BF4C-6F9617AF197A}" type="datetimeFigureOut">
               <a:rPr lang="en-GB" smtClean="0"/>
-              <a:t>14/02/2024</a:t>
+              <a:t>15/02/2024</a:t>
             </a:fld>
             <a:endParaRPr lang="en-GB"/>
           </a:p>
@@ -2259,7 +2261,7 @@
           <a:p>
             <a:fld id="{FE583036-9724-49DD-BF4C-6F9617AF197A}" type="datetimeFigureOut">
               <a:rPr lang="en-GB" smtClean="0"/>
-              <a:t>14/02/2024</a:t>
+              <a:t>15/02/2024</a:t>
             </a:fld>
             <a:endParaRPr lang="en-GB"/>
           </a:p>
@@ -2400,7 +2402,7 @@
           <a:p>
             <a:fld id="{FE583036-9724-49DD-BF4C-6F9617AF197A}" type="datetimeFigureOut">
               <a:rPr lang="en-GB" smtClean="0"/>
-              <a:t>14/02/2024</a:t>
+              <a:t>15/02/2024</a:t>
             </a:fld>
             <a:endParaRPr lang="en-GB"/>
           </a:p>
@@ -2513,7 +2515,7 @@
           <a:p>
             <a:fld id="{FE583036-9724-49DD-BF4C-6F9617AF197A}" type="datetimeFigureOut">
               <a:rPr lang="en-GB" smtClean="0"/>
-              <a:t>14/02/2024</a:t>
+              <a:t>15/02/2024</a:t>
             </a:fld>
             <a:endParaRPr lang="en-GB"/>
           </a:p>
@@ -2824,7 +2826,7 @@
           <a:p>
             <a:fld id="{FE583036-9724-49DD-BF4C-6F9617AF197A}" type="datetimeFigureOut">
               <a:rPr lang="en-GB" smtClean="0"/>
-              <a:t>14/02/2024</a:t>
+              <a:t>15/02/2024</a:t>
             </a:fld>
             <a:endParaRPr lang="en-GB"/>
           </a:p>
@@ -3112,7 +3114,7 @@
           <a:p>
             <a:fld id="{FE583036-9724-49DD-BF4C-6F9617AF197A}" type="datetimeFigureOut">
               <a:rPr lang="en-GB" smtClean="0"/>
-              <a:t>14/02/2024</a:t>
+              <a:t>15/02/2024</a:t>
             </a:fld>
             <a:endParaRPr lang="en-GB"/>
           </a:p>
@@ -3353,7 +3355,7 @@
           <a:p>
             <a:fld id="{FE583036-9724-49DD-BF4C-6F9617AF197A}" type="datetimeFigureOut">
               <a:rPr lang="en-GB" smtClean="0"/>
-              <a:t>14/02/2024</a:t>
+              <a:t>15/02/2024</a:t>
             </a:fld>
             <a:endParaRPr lang="en-GB"/>
           </a:p>
@@ -3957,6 +3959,569 @@
     <p:extLst>
       <p:ext uri="{BB962C8B-B14F-4D97-AF65-F5344CB8AC3E}">
         <p14:creationId xmlns:p14="http://schemas.microsoft.com/office/powerpoint/2010/main" val="2775501703"/>
+      </p:ext>
+    </p:extLst>
+  </p:cSld>
+  <p:clrMapOvr>
+    <a:masterClrMapping/>
+  </p:clrMapOvr>
+</p:sld>
+</file>
+
+<file path=ppt/slides/slide10.xml><?xml version="1.0" encoding="utf-8"?>
+<p:sld xmlns:a="http://schemas.openxmlformats.org/drawingml/2006/main" xmlns:r="http://schemas.openxmlformats.org/officeDocument/2006/relationships" xmlns:p="http://schemas.openxmlformats.org/presentationml/2006/main">
+  <p:cSld>
+    <p:spTree>
+      <p:nvGrpSpPr>
+        <p:cNvPr id="1" name=""/>
+        <p:cNvGrpSpPr/>
+        <p:nvPr/>
+      </p:nvGrpSpPr>
+      <p:grpSpPr>
+        <a:xfrm>
+          <a:off x="0" y="0"/>
+          <a:ext cx="0" cy="0"/>
+          <a:chOff x="0" y="0"/>
+          <a:chExt cx="0" cy="0"/>
+        </a:xfrm>
+      </p:grpSpPr>
+      <p:sp>
+        <p:nvSpPr>
+          <p:cNvPr id="2" name="TextBox 1">
+            <a:extLst>
+              <a:ext uri="{FF2B5EF4-FFF2-40B4-BE49-F238E27FC236}">
+                <a16:creationId xmlns:a16="http://schemas.microsoft.com/office/drawing/2014/main" id="{B02A53A9-A5A6-4A24-54F1-B380AF1FEFE3}"/>
+              </a:ext>
+            </a:extLst>
+          </p:cNvPr>
+          <p:cNvSpPr txBox="1"/>
+          <p:nvPr/>
+        </p:nvSpPr>
+        <p:spPr>
+          <a:xfrm>
+            <a:off x="3049" y="2511304"/>
+            <a:ext cx="12188951" cy="1200329"/>
+          </a:xfrm>
+          <a:prstGeom prst="rect">
+            <a:avLst/>
+          </a:prstGeom>
+          <a:noFill/>
+        </p:spPr>
+        <p:txBody>
+          <a:bodyPr wrap="square" anchor="t">
+            <a:spAutoFit/>
+          </a:bodyPr>
+          <a:lstStyle/>
+          <a:p>
+            <a:pPr algn="ctr"/>
+            <a:r>
+              <a:rPr lang="en-GB" sz="7200" b="1" u="none" strike="noStrike" baseline="0" dirty="0">
+                <a:solidFill>
+                  <a:schemeClr val="bg1">
+                    <a:lumMod val="50000"/>
+                  </a:schemeClr>
+                </a:solidFill>
+                <a:latin typeface="Arial Rounded MT Bold" panose="020F0704030504030204" pitchFamily="34" charset="0"/>
+              </a:rPr>
+              <a:t>The Model</a:t>
+            </a:r>
+            <a:endParaRPr lang="en-US" sz="23900" b="1" dirty="0">
+              <a:solidFill>
+                <a:schemeClr val="bg1">
+                  <a:lumMod val="50000"/>
+                </a:schemeClr>
+              </a:solidFill>
+              <a:latin typeface="Arial Rounded MT Bold" panose="020F0704030504030204" pitchFamily="34" charset="0"/>
+            </a:endParaRPr>
+          </a:p>
+        </p:txBody>
+      </p:sp>
+    </p:spTree>
+    <p:extLst>
+      <p:ext uri="{BB962C8B-B14F-4D97-AF65-F5344CB8AC3E}">
+        <p14:creationId xmlns:p14="http://schemas.microsoft.com/office/powerpoint/2010/main" val="2285331621"/>
+      </p:ext>
+    </p:extLst>
+  </p:cSld>
+  <p:clrMapOvr>
+    <a:masterClrMapping/>
+  </p:clrMapOvr>
+</p:sld>
+</file>
+
+<file path=ppt/slides/slide11.xml><?xml version="1.0" encoding="utf-8"?>
+<p:sld xmlns:a="http://schemas.openxmlformats.org/drawingml/2006/main" xmlns:r="http://schemas.openxmlformats.org/officeDocument/2006/relationships" xmlns:p="http://schemas.openxmlformats.org/presentationml/2006/main">
+  <p:cSld>
+    <p:spTree>
+      <p:nvGrpSpPr>
+        <p:cNvPr id="1" name=""/>
+        <p:cNvGrpSpPr/>
+        <p:nvPr/>
+      </p:nvGrpSpPr>
+      <p:grpSpPr>
+        <a:xfrm>
+          <a:off x="0" y="0"/>
+          <a:ext cx="0" cy="0"/>
+          <a:chOff x="0" y="0"/>
+          <a:chExt cx="0" cy="0"/>
+        </a:xfrm>
+      </p:grpSpPr>
+      <mc:AlternateContent xmlns:mc="http://schemas.openxmlformats.org/markup-compatibility/2006" xmlns:a14="http://schemas.microsoft.com/office/drawing/2010/main">
+        <mc:Choice Requires="a14">
+          <p:sp>
+            <p:nvSpPr>
+              <p:cNvPr id="2" name="TextBox 1">
+                <a:extLst>
+                  <a:ext uri="{FF2B5EF4-FFF2-40B4-BE49-F238E27FC236}">
+                    <a16:creationId xmlns:a16="http://schemas.microsoft.com/office/drawing/2014/main" id="{B08FE961-E7A3-5A35-0EB9-D423D323BE40}"/>
+                  </a:ext>
+                </a:extLst>
+              </p:cNvPr>
+              <p:cNvSpPr txBox="1"/>
+              <p:nvPr/>
+            </p:nvSpPr>
+            <p:spPr>
+              <a:xfrm>
+                <a:off x="325821" y="241738"/>
+                <a:ext cx="7788166" cy="6986528"/>
+              </a:xfrm>
+              <a:prstGeom prst="rect">
+                <a:avLst/>
+              </a:prstGeom>
+              <a:noFill/>
+            </p:spPr>
+            <p:txBody>
+              <a:bodyPr wrap="square" rtlCol="0">
+                <a:spAutoFit/>
+              </a:bodyPr>
+              <a:lstStyle/>
+              <a:p>
+                <a:r>
+                  <a:rPr lang="en-GB" sz="2800" dirty="0">
+                    <a:latin typeface="Arial Rounded MT Bold" panose="020F0704030504030204" pitchFamily="34" charset="0"/>
+                  </a:rPr>
+                  <a:t>Some Underlying Rules</a:t>
+                </a:r>
+              </a:p>
+              <a:p>
+                <a:endParaRPr lang="en-GB" sz="2000" dirty="0">
+                  <a:latin typeface="Arial Rounded MT Bold" panose="020F0704030504030204" pitchFamily="34" charset="0"/>
+                </a:endParaRPr>
+              </a:p>
+              <a:p>
+                <a:pPr marL="457200" indent="-457200">
+                  <a:buFont typeface="Arial" panose="020B0604020202020204" pitchFamily="34" charset="0"/>
+                  <a:buChar char="•"/>
+                </a:pPr>
+                <a:r>
+                  <a:rPr lang="en-GB" sz="2000" dirty="0">
+                    <a:latin typeface="Arial Rounded MT Bold" panose="020F0704030504030204" pitchFamily="34" charset="0"/>
+                  </a:rPr>
+                  <a:t>CO2 increases every timestep to model world emission.</a:t>
+                </a:r>
+              </a:p>
+              <a:p>
+                <a:pPr marL="457200" indent="-457200">
+                  <a:buFont typeface="Arial" panose="020B0604020202020204" pitchFamily="34" charset="0"/>
+                  <a:buChar char="•"/>
+                </a:pPr>
+                <a:r>
+                  <a:rPr lang="en-GB" sz="2000" dirty="0">
+                    <a:latin typeface="Arial Rounded MT Bold" panose="020F0704030504030204" pitchFamily="34" charset="0"/>
+                  </a:rPr>
+                  <a:t>CO2 sequestration </a:t>
+                </a:r>
+                <a14:m>
+                  <m:oMath xmlns:m="http://schemas.openxmlformats.org/officeDocument/2006/math">
+                    <m:r>
+                      <a:rPr lang="en-GB" sz="2000" b="0" i="1" smtClean="0">
+                        <a:latin typeface="Cambria Math" panose="02040503050406030204" pitchFamily="18" charset="0"/>
+                      </a:rPr>
+                      <m:t>∝</m:t>
+                    </m:r>
+                  </m:oMath>
+                </a14:m>
+                <a:r>
+                  <a:rPr lang="en-GB" sz="2000" dirty="0">
+                    <a:latin typeface="Arial Rounded MT Bold" panose="020F0704030504030204" pitchFamily="34" charset="0"/>
+                  </a:rPr>
+                  <a:t> Growth rate.</a:t>
+                </a:r>
+              </a:p>
+              <a:p>
+                <a:pPr marL="457200" indent="-457200">
+                  <a:buFont typeface="Arial" panose="020B0604020202020204" pitchFamily="34" charset="0"/>
+                  <a:buChar char="•"/>
+                </a:pPr>
+                <a:r>
+                  <a:rPr lang="en-GB" sz="2000" dirty="0">
+                    <a:latin typeface="Arial Rounded MT Bold" panose="020F0704030504030204" pitchFamily="34" charset="0"/>
+                  </a:rPr>
+                  <a:t>Income from Timber depends on plan. </a:t>
+                </a:r>
+              </a:p>
+              <a:p>
+                <a:pPr marL="457200" indent="-457200">
+                  <a:buFont typeface="Arial" panose="020B0604020202020204" pitchFamily="34" charset="0"/>
+                  <a:buChar char="•"/>
+                </a:pPr>
+                <a:r>
+                  <a:rPr lang="en-GB" sz="2000" dirty="0">
+                    <a:latin typeface="Arial Rounded MT Bold" panose="020F0704030504030204" pitchFamily="34" charset="0"/>
+                  </a:rPr>
+                  <a:t>Income from other revenue streams are chosen from PDF like a normal distribution, the mean and variance of which shall be influenced by factors like temperature and CO2. </a:t>
+                </a:r>
+              </a:p>
+              <a:p>
+                <a:pPr marL="457200" indent="-457200">
+                  <a:buFont typeface="Arial" panose="020B0604020202020204" pitchFamily="34" charset="0"/>
+                  <a:buChar char="•"/>
+                </a:pPr>
+                <a:r>
+                  <a:rPr lang="en-GB" sz="2000" dirty="0">
+                    <a:latin typeface="Arial Rounded MT Bold" panose="020F0704030504030204" pitchFamily="34" charset="0"/>
+                  </a:rPr>
+                  <a:t>Trees die when stress &gt;= 1.</a:t>
+                </a:r>
+              </a:p>
+              <a:p>
+                <a:pPr marL="457200" indent="-457200">
+                  <a:buFont typeface="Arial" panose="020B0604020202020204" pitchFamily="34" charset="0"/>
+                  <a:buChar char="•"/>
+                </a:pPr>
+                <a:r>
+                  <a:rPr lang="en-GB" sz="2000" dirty="0">
+                    <a:latin typeface="Arial Rounded MT Bold" panose="020F0704030504030204" pitchFamily="34" charset="0"/>
+                  </a:rPr>
+                  <a:t>Growth Rate </a:t>
+                </a:r>
+                <a14:m>
+                  <m:oMath xmlns:m="http://schemas.openxmlformats.org/officeDocument/2006/math">
+                    <m:r>
+                      <a:rPr lang="en-GB" sz="2000" b="0" i="1" smtClean="0">
+                        <a:latin typeface="Cambria Math" panose="02040503050406030204" pitchFamily="18" charset="0"/>
+                      </a:rPr>
+                      <m:t>∝</m:t>
+                    </m:r>
+                  </m:oMath>
+                </a14:m>
+                <a:r>
+                  <a:rPr lang="en-GB" sz="2000" dirty="0">
+                    <a:latin typeface="Arial Rounded MT Bold" panose="020F0704030504030204" pitchFamily="34" charset="0"/>
+                  </a:rPr>
+                  <a:t> Biodiversity, 1/Stress</a:t>
+                </a:r>
+              </a:p>
+              <a:p>
+                <a:pPr marL="457200" indent="-457200">
+                  <a:buFont typeface="Arial" panose="020B0604020202020204" pitchFamily="34" charset="0"/>
+                  <a:buChar char="•"/>
+                </a:pPr>
+                <a:r>
+                  <a:rPr lang="en-GB" sz="2000" dirty="0">
+                    <a:latin typeface="Arial Rounded MT Bold" panose="020F0704030504030204" pitchFamily="34" charset="0"/>
+                  </a:rPr>
+                  <a:t>Stress </a:t>
+                </a:r>
+                <a14:m>
+                  <m:oMath xmlns:m="http://schemas.openxmlformats.org/officeDocument/2006/math">
+                    <m:r>
+                      <a:rPr lang="en-GB" sz="2000" b="0" i="1" smtClean="0">
+                        <a:latin typeface="Cambria Math" panose="02040503050406030204" pitchFamily="18" charset="0"/>
+                      </a:rPr>
+                      <m:t>∝</m:t>
+                    </m:r>
+                  </m:oMath>
+                </a14:m>
+                <a:r>
+                  <a:rPr lang="en-GB" sz="2000" dirty="0">
+                    <a:latin typeface="Arial Rounded MT Bold" panose="020F0704030504030204" pitchFamily="34" charset="0"/>
+                  </a:rPr>
+                  <a:t> Age, (Optimal – Current) Living conditions.</a:t>
+                </a:r>
+              </a:p>
+              <a:p>
+                <a:pPr marL="457200" indent="-457200">
+                  <a:buFont typeface="Arial" panose="020B0604020202020204" pitchFamily="34" charset="0"/>
+                  <a:buChar char="•"/>
+                </a:pPr>
+                <a:r>
+                  <a:rPr lang="en-GB" sz="2000" dirty="0">
+                    <a:latin typeface="Arial Rounded MT Bold" panose="020F0704030504030204" pitchFamily="34" charset="0"/>
+                  </a:rPr>
+                  <a:t>Tree Carbon Absorption </a:t>
+                </a:r>
+                <a14:m>
+                  <m:oMath xmlns:m="http://schemas.openxmlformats.org/officeDocument/2006/math">
+                    <m:r>
+                      <a:rPr lang="en-GB" sz="2000" b="0" i="1" smtClean="0">
+                        <a:latin typeface="Cambria Math" panose="02040503050406030204" pitchFamily="18" charset="0"/>
+                      </a:rPr>
+                      <m:t>∝</m:t>
+                    </m:r>
+                  </m:oMath>
+                </a14:m>
+                <a:r>
+                  <a:rPr lang="en-GB" sz="2000" dirty="0">
+                    <a:latin typeface="Arial Rounded MT Bold" panose="020F0704030504030204" pitchFamily="34" charset="0"/>
+                  </a:rPr>
+                  <a:t> Age, Tree Mass</a:t>
+                </a:r>
+              </a:p>
+              <a:p>
+                <a:pPr marL="457200" indent="-457200">
+                  <a:buFont typeface="Arial" panose="020B0604020202020204" pitchFamily="34" charset="0"/>
+                  <a:buChar char="•"/>
+                </a:pPr>
+                <a:r>
+                  <a:rPr lang="en-GB" sz="2000" dirty="0">
+                    <a:latin typeface="Arial Rounded MT Bold" panose="020F0704030504030204" pitchFamily="34" charset="0"/>
+                  </a:rPr>
+                  <a:t>Tree Mass </a:t>
+                </a:r>
+                <a14:m>
+                  <m:oMath xmlns:m="http://schemas.openxmlformats.org/officeDocument/2006/math">
+                    <m:r>
+                      <a:rPr lang="en-GB" sz="2000" b="0" i="1" smtClean="0">
+                        <a:latin typeface="Cambria Math" panose="02040503050406030204" pitchFamily="18" charset="0"/>
+                      </a:rPr>
+                      <m:t>∝</m:t>
+                    </m:r>
+                  </m:oMath>
+                </a14:m>
+                <a:r>
+                  <a:rPr lang="en-GB" sz="2000" dirty="0">
+                    <a:latin typeface="Arial Rounded MT Bold" panose="020F0704030504030204" pitchFamily="34" charset="0"/>
+                  </a:rPr>
+                  <a:t> Growth Rate</a:t>
+                </a:r>
+              </a:p>
+              <a:p>
+                <a:pPr marL="457200" indent="-457200">
+                  <a:buFont typeface="Arial" panose="020B0604020202020204" pitchFamily="34" charset="0"/>
+                  <a:buChar char="•"/>
+                </a:pPr>
+                <a:r>
+                  <a:rPr lang="en-GB" sz="2000" dirty="0">
+                    <a:latin typeface="Arial Rounded MT Bold" panose="020F0704030504030204" pitchFamily="34" charset="0"/>
+                  </a:rPr>
+                  <a:t>Reproduction </a:t>
+                </a:r>
+                <a14:m>
+                  <m:oMath xmlns:m="http://schemas.openxmlformats.org/officeDocument/2006/math">
+                    <m:r>
+                      <a:rPr lang="en-GB" sz="2000" b="0" i="1" smtClean="0">
+                        <a:latin typeface="Cambria Math" panose="02040503050406030204" pitchFamily="18" charset="0"/>
+                      </a:rPr>
+                      <m:t>∝</m:t>
+                    </m:r>
+                  </m:oMath>
+                </a14:m>
+                <a:r>
+                  <a:rPr lang="en-GB" sz="2000" dirty="0">
+                    <a:latin typeface="Arial Rounded MT Bold" panose="020F0704030504030204" pitchFamily="34" charset="0"/>
+                  </a:rPr>
+                  <a:t> 1/Stress.</a:t>
+                </a:r>
+              </a:p>
+              <a:p>
+                <a:pPr marL="457200" indent="-457200">
+                  <a:buFont typeface="Arial" panose="020B0604020202020204" pitchFamily="34" charset="0"/>
+                  <a:buChar char="•"/>
+                </a:pPr>
+                <a:r>
+                  <a:rPr lang="en-GB" sz="2000" dirty="0">
+                    <a:latin typeface="Arial Rounded MT Bold" panose="020F0704030504030204" pitchFamily="34" charset="0"/>
+                  </a:rPr>
+                  <a:t>Funds </a:t>
+                </a:r>
+                <a14:m>
+                  <m:oMath xmlns:m="http://schemas.openxmlformats.org/officeDocument/2006/math">
+                    <m:r>
+                      <a:rPr lang="en-GB" sz="2000" b="0" i="1" smtClean="0">
+                        <a:latin typeface="Cambria Math" panose="02040503050406030204" pitchFamily="18" charset="0"/>
+                      </a:rPr>
+                      <m:t>∝</m:t>
+                    </m:r>
+                  </m:oMath>
+                </a14:m>
+                <a:r>
+                  <a:rPr lang="en-GB" sz="2000" dirty="0">
+                    <a:latin typeface="Arial Rounded MT Bold" panose="020F0704030504030204" pitchFamily="34" charset="0"/>
+                  </a:rPr>
+                  <a:t> Harvest or Service Provision, 1/Taking an Action, 1/Time</a:t>
+                </a:r>
+              </a:p>
+              <a:p>
+                <a:pPr marL="457200" indent="-457200">
+                  <a:buFont typeface="Arial" panose="020B0604020202020204" pitchFamily="34" charset="0"/>
+                  <a:buChar char="•"/>
+                </a:pPr>
+                <a:r>
+                  <a:rPr lang="en-GB" sz="2000" dirty="0">
+                    <a:latin typeface="Arial Rounded MT Bold" panose="020F0704030504030204" pitchFamily="34" charset="0"/>
+                  </a:rPr>
+                  <a:t>CO2 </a:t>
+                </a:r>
+                <a14:m>
+                  <m:oMath xmlns:m="http://schemas.openxmlformats.org/officeDocument/2006/math">
+                    <m:r>
+                      <a:rPr lang="en-GB" sz="2000" b="0" i="1" smtClean="0">
+                        <a:latin typeface="Cambria Math" panose="02040503050406030204" pitchFamily="18" charset="0"/>
+                      </a:rPr>
+                      <m:t>∝</m:t>
+                    </m:r>
+                  </m:oMath>
+                </a14:m>
+                <a:r>
+                  <a:rPr lang="en-GB" sz="2000" dirty="0">
+                    <a:latin typeface="Arial Rounded MT Bold" panose="020F0704030504030204" pitchFamily="34" charset="0"/>
+                  </a:rPr>
+                  <a:t> time, Tree decay, Taking an Action, 1/Tree Co2 Absorption, </a:t>
+                </a:r>
+              </a:p>
+              <a:p>
+                <a:pPr marL="457200" indent="-457200">
+                  <a:buFont typeface="Arial" panose="020B0604020202020204" pitchFamily="34" charset="0"/>
+                  <a:buChar char="•"/>
+                </a:pPr>
+                <a:r>
+                  <a:rPr lang="en-GB" sz="2000" dirty="0">
+                    <a:latin typeface="Arial Rounded MT Bold" panose="020F0704030504030204" pitchFamily="34" charset="0"/>
+                  </a:rPr>
+                  <a:t>Carbon Release depends on time, tree mass, cause of death (natural / anthropogenetic).</a:t>
+                </a:r>
+              </a:p>
+              <a:p>
+                <a:pPr marL="457200" indent="-457200">
+                  <a:buFont typeface="Arial" panose="020B0604020202020204" pitchFamily="34" charset="0"/>
+                  <a:buChar char="•"/>
+                </a:pPr>
+                <a:endParaRPr lang="en-GB" sz="2000" dirty="0">
+                  <a:latin typeface="Arial Rounded MT Bold" panose="020F0704030504030204" pitchFamily="34" charset="0"/>
+                </a:endParaRPr>
+              </a:p>
+              <a:p>
+                <a:pPr marL="457200" indent="-457200">
+                  <a:buFont typeface="Arial" panose="020B0604020202020204" pitchFamily="34" charset="0"/>
+                  <a:buChar char="•"/>
+                </a:pPr>
+                <a:endParaRPr lang="en-US" sz="2000" dirty="0">
+                  <a:latin typeface="Arial Rounded MT Bold" panose="020F0704030504030204" pitchFamily="34" charset="0"/>
+                </a:endParaRPr>
+              </a:p>
+            </p:txBody>
+          </p:sp>
+        </mc:Choice>
+        <mc:Fallback xmlns="">
+          <p:sp>
+            <p:nvSpPr>
+              <p:cNvPr id="2" name="TextBox 1">
+                <a:extLst>
+                  <a:ext uri="{FF2B5EF4-FFF2-40B4-BE49-F238E27FC236}">
+                    <a16:creationId xmlns:a16="http://schemas.microsoft.com/office/drawing/2014/main" id="{B08FE961-E7A3-5A35-0EB9-D423D323BE40}"/>
+                  </a:ext>
+                </a:extLst>
+              </p:cNvPr>
+              <p:cNvSpPr txBox="1">
+                <a:spLocks noRot="1" noChangeAspect="1" noMove="1" noResize="1" noEditPoints="1" noAdjustHandles="1" noChangeArrowheads="1" noChangeShapeType="1" noTextEdit="1"/>
+              </p:cNvSpPr>
+              <p:nvPr/>
+            </p:nvSpPr>
+            <p:spPr>
+              <a:xfrm>
+                <a:off x="325821" y="241738"/>
+                <a:ext cx="7788166" cy="6986528"/>
+              </a:xfrm>
+              <a:prstGeom prst="rect">
+                <a:avLst/>
+              </a:prstGeom>
+              <a:blipFill>
+                <a:blip r:embed="rId2"/>
+                <a:stretch>
+                  <a:fillRect l="-1565" t="-960" r="-1095"/>
+                </a:stretch>
+              </a:blipFill>
+            </p:spPr>
+            <p:txBody>
+              <a:bodyPr/>
+              <a:lstStyle/>
+              <a:p>
+                <a:r>
+                  <a:rPr lang="en-US">
+                    <a:noFill/>
+                  </a:rPr>
+                  <a:t> </a:t>
+                </a:r>
+              </a:p>
+            </p:txBody>
+          </p:sp>
+        </mc:Fallback>
+      </mc:AlternateContent>
+      <p:pic>
+        <p:nvPicPr>
+          <p:cNvPr id="10" name="Picture 9">
+            <a:extLst>
+              <a:ext uri="{FF2B5EF4-FFF2-40B4-BE49-F238E27FC236}">
+                <a16:creationId xmlns:a16="http://schemas.microsoft.com/office/drawing/2014/main" id="{9CD5337B-8DB7-326A-9B1E-DBC39CBA06A6}"/>
+              </a:ext>
+            </a:extLst>
+          </p:cNvPr>
+          <p:cNvPicPr>
+            <a:picLocks noChangeAspect="1"/>
+          </p:cNvPicPr>
+          <p:nvPr/>
+        </p:nvPicPr>
+        <p:blipFill>
+          <a:blip r:embed="rId3"/>
+          <a:stretch>
+            <a:fillRect/>
+          </a:stretch>
+        </p:blipFill>
+        <p:spPr>
+          <a:xfrm>
+            <a:off x="8078299" y="484902"/>
+            <a:ext cx="3823569" cy="2638096"/>
+          </a:xfrm>
+          <a:prstGeom prst="rect">
+            <a:avLst/>
+          </a:prstGeom>
+        </p:spPr>
+      </p:pic>
+      <p:pic>
+        <p:nvPicPr>
+          <p:cNvPr id="11" name="Picture 10">
+            <a:extLst>
+              <a:ext uri="{FF2B5EF4-FFF2-40B4-BE49-F238E27FC236}">
+                <a16:creationId xmlns:a16="http://schemas.microsoft.com/office/drawing/2014/main" id="{F1EBB4EF-25FB-92A4-4115-95971D8EEE14}"/>
+              </a:ext>
+            </a:extLst>
+          </p:cNvPr>
+          <p:cNvPicPr>
+            <a:picLocks noChangeAspect="1"/>
+          </p:cNvPicPr>
+          <p:nvPr/>
+        </p:nvPicPr>
+        <p:blipFill>
+          <a:blip r:embed="rId4"/>
+          <a:stretch>
+            <a:fillRect/>
+          </a:stretch>
+        </p:blipFill>
+        <p:spPr>
+          <a:xfrm>
+            <a:off x="8113987" y="3735002"/>
+            <a:ext cx="3752192" cy="2588848"/>
+          </a:xfrm>
+          <a:prstGeom prst="rect">
+            <a:avLst/>
+          </a:prstGeom>
+        </p:spPr>
+      </p:pic>
+    </p:spTree>
+    <p:extLst>
+      <p:ext uri="{BB962C8B-B14F-4D97-AF65-F5344CB8AC3E}">
+        <p14:creationId xmlns:p14="http://schemas.microsoft.com/office/powerpoint/2010/main" val="1800070745"/>
       </p:ext>
     </p:extLst>
   </p:cSld>
@@ -5418,7 +5983,7 @@
         </p:nvGrpSpPr>
         <p:grpSpPr>
           <a:xfrm>
-            <a:off x="8194584" y="2626451"/>
+            <a:off x="8413766" y="2836669"/>
             <a:ext cx="2509973" cy="2912502"/>
             <a:chOff x="8457347" y="2079911"/>
             <a:chExt cx="2509973" cy="2912502"/>
@@ -5729,6 +6294,50 @@
               <a:t>CO2 Threshold</a:t>
             </a:r>
             <a:endParaRPr lang="en-US" b="1" dirty="0"/>
+          </a:p>
+        </p:txBody>
+      </p:sp>
+      <p:sp>
+        <p:nvSpPr>
+          <p:cNvPr id="3" name="TextBox 2">
+            <a:extLst>
+              <a:ext uri="{FF2B5EF4-FFF2-40B4-BE49-F238E27FC236}">
+                <a16:creationId xmlns:a16="http://schemas.microsoft.com/office/drawing/2014/main" id="{AC42C9C6-7331-9E10-CE91-5EBF62933944}"/>
+              </a:ext>
+            </a:extLst>
+          </p:cNvPr>
+          <p:cNvSpPr txBox="1"/>
+          <p:nvPr/>
+        </p:nvSpPr>
+        <p:spPr>
+          <a:xfrm>
+            <a:off x="8082938" y="2251894"/>
+            <a:ext cx="2509973" cy="584775"/>
+          </a:xfrm>
+          <a:prstGeom prst="rect">
+            <a:avLst/>
+          </a:prstGeom>
+          <a:noFill/>
+        </p:spPr>
+        <p:txBody>
+          <a:bodyPr wrap="square" rtlCol="0">
+            <a:spAutoFit/>
+          </a:bodyPr>
+          <a:lstStyle/>
+          <a:p>
+            <a:r>
+              <a:rPr lang="en-GB" sz="3200" dirty="0">
+                <a:solidFill>
+                  <a:srgbClr val="C55A11"/>
+                </a:solidFill>
+              </a:rPr>
+              <a:t>…</a:t>
+            </a:r>
+            <a:endParaRPr lang="en-US" dirty="0">
+              <a:solidFill>
+                <a:srgbClr val="C55A11"/>
+              </a:solidFill>
+            </a:endParaRPr>
           </a:p>
         </p:txBody>
       </p:sp>
@@ -7551,6 +8160,45 @@
           </p:spPr>
         </p:pic>
       </p:grpSp>
+      <p:pic>
+        <p:nvPicPr>
+          <p:cNvPr id="5" name="Graphic 4" descr="Cursor with solid fill">
+            <a:extLst>
+              <a:ext uri="{FF2B5EF4-FFF2-40B4-BE49-F238E27FC236}">
+                <a16:creationId xmlns:a16="http://schemas.microsoft.com/office/drawing/2014/main" id="{D4D587E6-75C9-83F5-A9AF-A62441336EB6}"/>
+              </a:ext>
+            </a:extLst>
+          </p:cNvPr>
+          <p:cNvPicPr>
+            <a:picLocks noChangeAspect="1"/>
+          </p:cNvPicPr>
+          <p:nvPr/>
+        </p:nvPicPr>
+        <p:blipFill>
+          <a:blip r:embed="rId14">
+            <a:extLst>
+              <a:ext uri="{28A0092B-C50C-407E-A947-70E740481C1C}">
+                <a14:useLocalDpi xmlns:a14="http://schemas.microsoft.com/office/drawing/2010/main" val="0"/>
+              </a:ext>
+              <a:ext uri="{96DAC541-7B7A-43D3-8B79-37D633B846F1}">
+                <asvg:svgBlip xmlns:asvg="http://schemas.microsoft.com/office/drawing/2016/SVG/main" r:embed="rId15"/>
+              </a:ext>
+            </a:extLst>
+          </a:blip>
+          <a:stretch>
+            <a:fillRect/>
+          </a:stretch>
+        </p:blipFill>
+        <p:spPr>
+          <a:xfrm>
+            <a:off x="8796811" y="3032420"/>
+            <a:ext cx="914400" cy="914400"/>
+          </a:xfrm>
+          <a:prstGeom prst="rect">
+            <a:avLst/>
+          </a:prstGeom>
+        </p:spPr>
+      </p:pic>
     </p:spTree>
     <p:extLst>
       <p:ext uri="{BB962C8B-B14F-4D97-AF65-F5344CB8AC3E}">
@@ -8248,6 +8896,45 @@
           </a:p>
         </p:txBody>
       </p:sp>
+      <p:pic>
+        <p:nvPicPr>
+          <p:cNvPr id="16" name="Graphic 15" descr="Cursor with solid fill">
+            <a:extLst>
+              <a:ext uri="{FF2B5EF4-FFF2-40B4-BE49-F238E27FC236}">
+                <a16:creationId xmlns:a16="http://schemas.microsoft.com/office/drawing/2014/main" id="{1FEC6FCB-3F3B-3DAB-2DD5-B767E557DEFD}"/>
+              </a:ext>
+            </a:extLst>
+          </p:cNvPr>
+          <p:cNvPicPr>
+            <a:picLocks noChangeAspect="1"/>
+          </p:cNvPicPr>
+          <p:nvPr/>
+        </p:nvPicPr>
+        <p:blipFill>
+          <a:blip r:embed="rId6">
+            <a:extLst>
+              <a:ext uri="{28A0092B-C50C-407E-A947-70E740481C1C}">
+                <a14:useLocalDpi xmlns:a14="http://schemas.microsoft.com/office/drawing/2010/main" val="0"/>
+              </a:ext>
+              <a:ext uri="{96DAC541-7B7A-43D3-8B79-37D633B846F1}">
+                <asvg:svgBlip xmlns:asvg="http://schemas.microsoft.com/office/drawing/2016/SVG/main" r:embed="rId7"/>
+              </a:ext>
+            </a:extLst>
+          </a:blip>
+          <a:stretch>
+            <a:fillRect/>
+          </a:stretch>
+        </p:blipFill>
+        <p:spPr>
+          <a:xfrm>
+            <a:off x="7157173" y="2215515"/>
+            <a:ext cx="914400" cy="914400"/>
+          </a:xfrm>
+          <a:prstGeom prst="rect">
+            <a:avLst/>
+          </a:prstGeom>
+        </p:spPr>
+      </p:pic>
     </p:spTree>
     <p:extLst>
       <p:ext uri="{BB962C8B-B14F-4D97-AF65-F5344CB8AC3E}">
@@ -8359,6 +9046,359 @@
           <a:chExt cx="0" cy="0"/>
         </a:xfrm>
       </p:grpSpPr>
+      <p:sp>
+        <p:nvSpPr>
+          <p:cNvPr id="3" name="TextBox 2">
+            <a:extLst>
+              <a:ext uri="{FF2B5EF4-FFF2-40B4-BE49-F238E27FC236}">
+                <a16:creationId xmlns:a16="http://schemas.microsoft.com/office/drawing/2014/main" id="{39DC24E8-CF14-7213-4D98-8E35D0EC9C4D}"/>
+              </a:ext>
+            </a:extLst>
+          </p:cNvPr>
+          <p:cNvSpPr txBox="1"/>
+          <p:nvPr/>
+        </p:nvSpPr>
+        <p:spPr>
+          <a:xfrm>
+            <a:off x="430923" y="887793"/>
+            <a:ext cx="11298622" cy="1815882"/>
+          </a:xfrm>
+          <a:prstGeom prst="rect">
+            <a:avLst/>
+          </a:prstGeom>
+          <a:noFill/>
+        </p:spPr>
+        <p:txBody>
+          <a:bodyPr wrap="square" rtlCol="0">
+            <a:spAutoFit/>
+          </a:bodyPr>
+          <a:lstStyle/>
+          <a:p>
+            <a:pPr marL="514350" indent="-514350">
+              <a:buAutoNum type="arabicPeriod"/>
+            </a:pPr>
+            <a:r>
+              <a:rPr lang="en-GB" sz="3200" dirty="0">
+                <a:solidFill>
+                  <a:schemeClr val="accent6"/>
+                </a:solidFill>
+                <a:latin typeface="Arial Rounded MT Bold" panose="020F0704030504030204" pitchFamily="34" charset="0"/>
+              </a:rPr>
+              <a:t>Set as low of a CO2 threshold as possible.</a:t>
+            </a:r>
+          </a:p>
+          <a:p>
+            <a:pPr marL="342900" indent="-342900">
+              <a:buFont typeface="Wingdings" panose="05000000000000000000" pitchFamily="2" charset="2"/>
+              <a:buChar char="Ø"/>
+            </a:pPr>
+            <a:r>
+              <a:rPr lang="en-GB" sz="2000" dirty="0">
+                <a:solidFill>
+                  <a:schemeClr val="accent6">
+                    <a:lumMod val="75000"/>
+                  </a:schemeClr>
+                </a:solidFill>
+                <a:latin typeface="Arial Rounded MT Bold" panose="020F0704030504030204" pitchFamily="34" charset="0"/>
+              </a:rPr>
+              <a:t>Biodiversity is proportional to CO2 sequestered (build an ecosystem, not a plantation).</a:t>
+            </a:r>
+          </a:p>
+          <a:p>
+            <a:pPr marL="342900" indent="-342900">
+              <a:buFont typeface="Wingdings" panose="05000000000000000000" pitchFamily="2" charset="2"/>
+              <a:buChar char="Ø"/>
+            </a:pPr>
+            <a:r>
+              <a:rPr lang="en-GB" sz="2000" dirty="0">
+                <a:solidFill>
+                  <a:schemeClr val="accent6">
+                    <a:lumMod val="75000"/>
+                  </a:schemeClr>
+                </a:solidFill>
+                <a:latin typeface="Arial Rounded MT Bold" panose="020F0704030504030204" pitchFamily="34" charset="0"/>
+              </a:rPr>
+              <a:t>Preserve old growth.</a:t>
+            </a:r>
+          </a:p>
+          <a:p>
+            <a:pPr marL="342900" indent="-342900">
+              <a:buFont typeface="Wingdings" panose="05000000000000000000" pitchFamily="2" charset="2"/>
+              <a:buChar char="Ø"/>
+            </a:pPr>
+            <a:r>
+              <a:rPr lang="en-GB" sz="2000" dirty="0">
+                <a:solidFill>
+                  <a:schemeClr val="accent6">
+                    <a:lumMod val="75000"/>
+                  </a:schemeClr>
+                </a:solidFill>
+                <a:latin typeface="Arial Rounded MT Bold" panose="020F0704030504030204" pitchFamily="34" charset="0"/>
+              </a:rPr>
+              <a:t>Amount of CO2 is proportional to the growth rate of trees.</a:t>
+            </a:r>
+          </a:p>
+          <a:p>
+            <a:pPr marL="342900" indent="-342900">
+              <a:buFont typeface="Wingdings" panose="05000000000000000000" pitchFamily="2" charset="2"/>
+              <a:buChar char="Ø"/>
+            </a:pPr>
+            <a:r>
+              <a:rPr lang="en-GB" sz="2000" dirty="0">
+                <a:solidFill>
+                  <a:schemeClr val="accent6">
+                    <a:lumMod val="75000"/>
+                  </a:schemeClr>
+                </a:solidFill>
+                <a:latin typeface="Arial Rounded MT Bold" panose="020F0704030504030204" pitchFamily="34" charset="0"/>
+              </a:rPr>
+              <a:t>Gain a basic understanding of tool.</a:t>
+            </a:r>
+          </a:p>
+        </p:txBody>
+      </p:sp>
+      <p:sp>
+        <p:nvSpPr>
+          <p:cNvPr id="4" name="TextBox 3">
+            <a:extLst>
+              <a:ext uri="{FF2B5EF4-FFF2-40B4-BE49-F238E27FC236}">
+                <a16:creationId xmlns:a16="http://schemas.microsoft.com/office/drawing/2014/main" id="{34CF7137-E6E3-B7A2-DFBC-286B6B400491}"/>
+              </a:ext>
+            </a:extLst>
+          </p:cNvPr>
+          <p:cNvSpPr txBox="1"/>
+          <p:nvPr/>
+        </p:nvSpPr>
+        <p:spPr>
+          <a:xfrm>
+            <a:off x="430923" y="2823205"/>
+            <a:ext cx="11298622" cy="1508105"/>
+          </a:xfrm>
+          <a:prstGeom prst="rect">
+            <a:avLst/>
+          </a:prstGeom>
+          <a:noFill/>
+        </p:spPr>
+        <p:txBody>
+          <a:bodyPr wrap="square" rtlCol="0">
+            <a:spAutoFit/>
+          </a:bodyPr>
+          <a:lstStyle/>
+          <a:p>
+            <a:r>
+              <a:rPr lang="en-GB" sz="3200" dirty="0">
+                <a:solidFill>
+                  <a:schemeClr val="accent2"/>
+                </a:solidFill>
+                <a:latin typeface="Arial Rounded MT Bold" panose="020F0704030504030204" pitchFamily="34" charset="0"/>
+              </a:rPr>
+              <a:t>2. Set as high of a target income as possible.</a:t>
+            </a:r>
+            <a:endParaRPr lang="en-GB" sz="3200" dirty="0">
+              <a:solidFill>
+                <a:schemeClr val="accent6">
+                  <a:lumMod val="75000"/>
+                </a:schemeClr>
+              </a:solidFill>
+              <a:latin typeface="Arial Rounded MT Bold" panose="020F0704030504030204" pitchFamily="34" charset="0"/>
+            </a:endParaRPr>
+          </a:p>
+          <a:p>
+            <a:pPr marL="342900" indent="-342900">
+              <a:buFont typeface="Wingdings" panose="05000000000000000000" pitchFamily="2" charset="2"/>
+              <a:buChar char="Ø"/>
+            </a:pPr>
+            <a:r>
+              <a:rPr lang="en-GB" sz="2000" dirty="0">
+                <a:solidFill>
+                  <a:schemeClr val="accent2">
+                    <a:lumMod val="75000"/>
+                  </a:schemeClr>
+                </a:solidFill>
+                <a:latin typeface="Arial Rounded MT Bold" panose="020F0704030504030204" pitchFamily="34" charset="0"/>
+              </a:rPr>
+              <a:t>Streams of revenue from a forest is not limited to just Timber.</a:t>
+            </a:r>
+          </a:p>
+          <a:p>
+            <a:pPr marL="342900" indent="-342900">
+              <a:buFont typeface="Wingdings" panose="05000000000000000000" pitchFamily="2" charset="2"/>
+              <a:buChar char="Ø"/>
+            </a:pPr>
+            <a:r>
+              <a:rPr lang="en-GB" sz="2000" dirty="0">
+                <a:solidFill>
+                  <a:schemeClr val="accent2">
+                    <a:lumMod val="75000"/>
+                  </a:schemeClr>
+                </a:solidFill>
+                <a:latin typeface="Arial Rounded MT Bold" panose="020F0704030504030204" pitchFamily="34" charset="0"/>
+              </a:rPr>
+              <a:t>Most revenue streams other than Timber are less reliable and less income generating.</a:t>
+            </a:r>
+          </a:p>
+          <a:p>
+            <a:pPr marL="342900" indent="-342900">
+              <a:buFont typeface="Wingdings" panose="05000000000000000000" pitchFamily="2" charset="2"/>
+              <a:buChar char="Ø"/>
+            </a:pPr>
+            <a:r>
+              <a:rPr lang="en-GB" sz="2000" dirty="0">
+                <a:solidFill>
+                  <a:schemeClr val="accent2">
+                    <a:lumMod val="75000"/>
+                  </a:schemeClr>
+                </a:solidFill>
+                <a:latin typeface="Arial Rounded MT Bold" panose="020F0704030504030204" pitchFamily="34" charset="0"/>
+              </a:rPr>
+              <a:t>Get a good feel for the tool.</a:t>
+            </a:r>
+          </a:p>
+        </p:txBody>
+      </p:sp>
+      <p:sp>
+        <p:nvSpPr>
+          <p:cNvPr id="5" name="TextBox 4">
+            <a:extLst>
+              <a:ext uri="{FF2B5EF4-FFF2-40B4-BE49-F238E27FC236}">
+                <a16:creationId xmlns:a16="http://schemas.microsoft.com/office/drawing/2014/main" id="{C956D538-E172-2828-3CFC-64E8E8BA062C}"/>
+              </a:ext>
+            </a:extLst>
+          </p:cNvPr>
+          <p:cNvSpPr txBox="1"/>
+          <p:nvPr/>
+        </p:nvSpPr>
+        <p:spPr>
+          <a:xfrm>
+            <a:off x="430923" y="4477743"/>
+            <a:ext cx="11298622" cy="2616101"/>
+          </a:xfrm>
+          <a:prstGeom prst="rect">
+            <a:avLst/>
+          </a:prstGeom>
+          <a:noFill/>
+        </p:spPr>
+        <p:txBody>
+          <a:bodyPr wrap="square" rtlCol="0">
+            <a:spAutoFit/>
+          </a:bodyPr>
+          <a:lstStyle/>
+          <a:p>
+            <a:r>
+              <a:rPr lang="en-GB" sz="3200" dirty="0">
+                <a:solidFill>
+                  <a:srgbClr val="4169E1"/>
+                </a:solidFill>
+                <a:latin typeface="Arial Rounded MT Bold" panose="020F0704030504030204" pitchFamily="34" charset="0"/>
+              </a:rPr>
+              <a:t>3. Try to maximize both income and CO2 sequestration.</a:t>
+            </a:r>
+          </a:p>
+          <a:p>
+            <a:pPr marL="457200" indent="-457200">
+              <a:buFont typeface="Wingdings" panose="05000000000000000000" pitchFamily="2" charset="2"/>
+              <a:buChar char="Ø"/>
+            </a:pPr>
+            <a:r>
+              <a:rPr lang="en-GB" sz="2000" dirty="0">
+                <a:solidFill>
+                  <a:schemeClr val="accent1">
+                    <a:lumMod val="75000"/>
+                  </a:schemeClr>
+                </a:solidFill>
+                <a:latin typeface="Arial Rounded MT Bold" panose="020F0704030504030204" pitchFamily="34" charset="0"/>
+              </a:rPr>
+              <a:t>Stumble upon sustainable forest management practices like intermittent plantation.</a:t>
+            </a:r>
+          </a:p>
+          <a:p>
+            <a:pPr marL="457200" indent="-457200">
+              <a:buFont typeface="Wingdings" panose="05000000000000000000" pitchFamily="2" charset="2"/>
+              <a:buChar char="Ø"/>
+            </a:pPr>
+            <a:r>
+              <a:rPr lang="en-GB" sz="2000" dirty="0">
+                <a:solidFill>
+                  <a:schemeClr val="accent1">
+                    <a:lumMod val="75000"/>
+                  </a:schemeClr>
+                </a:solidFill>
+                <a:latin typeface="Arial Rounded MT Bold" panose="020F0704030504030204" pitchFamily="34" charset="0"/>
+              </a:rPr>
+              <a:t>Minimising reliance of Timber and determining the correct amount of reliance of different less stable climate friendly sources of income from the forest is challenging.</a:t>
+            </a:r>
+          </a:p>
+          <a:p>
+            <a:pPr marL="457200" indent="-457200">
+              <a:buFont typeface="Wingdings" panose="05000000000000000000" pitchFamily="2" charset="2"/>
+              <a:buChar char="Ø"/>
+            </a:pPr>
+            <a:r>
+              <a:rPr lang="en-GB" sz="2000" dirty="0">
+                <a:solidFill>
+                  <a:schemeClr val="accent1">
+                    <a:lumMod val="75000"/>
+                  </a:schemeClr>
+                </a:solidFill>
+                <a:latin typeface="Arial Rounded MT Bold" panose="020F0704030504030204" pitchFamily="34" charset="0"/>
+              </a:rPr>
+              <a:t>This is challenging and profit margin may be lower, but using forests as carbon sinks is economically viable.</a:t>
+            </a:r>
+          </a:p>
+          <a:p>
+            <a:pPr marL="457200" indent="-457200">
+              <a:buFont typeface="Wingdings" panose="05000000000000000000" pitchFamily="2" charset="2"/>
+              <a:buChar char="Ø"/>
+            </a:pPr>
+            <a:endParaRPr lang="en-GB" sz="3200" dirty="0">
+              <a:solidFill>
+                <a:srgbClr val="4169E1"/>
+              </a:solidFill>
+              <a:latin typeface="Arial Rounded MT Bold" panose="020F0704030504030204" pitchFamily="34" charset="0"/>
+            </a:endParaRPr>
+          </a:p>
+        </p:txBody>
+      </p:sp>
+      <p:sp>
+        <p:nvSpPr>
+          <p:cNvPr id="6" name="TextBox 5">
+            <a:extLst>
+              <a:ext uri="{FF2B5EF4-FFF2-40B4-BE49-F238E27FC236}">
+                <a16:creationId xmlns:a16="http://schemas.microsoft.com/office/drawing/2014/main" id="{99706371-9B61-BA63-4986-F6A76FF4ED4D}"/>
+              </a:ext>
+            </a:extLst>
+          </p:cNvPr>
+          <p:cNvSpPr txBox="1"/>
+          <p:nvPr/>
+        </p:nvSpPr>
+        <p:spPr>
+          <a:xfrm>
+            <a:off x="430924" y="273269"/>
+            <a:ext cx="2280745" cy="523220"/>
+          </a:xfrm>
+          <a:prstGeom prst="rect">
+            <a:avLst/>
+          </a:prstGeom>
+          <a:noFill/>
+        </p:spPr>
+        <p:txBody>
+          <a:bodyPr wrap="square" rtlCol="0">
+            <a:spAutoFit/>
+          </a:bodyPr>
+          <a:lstStyle/>
+          <a:p>
+            <a:r>
+              <a:rPr lang="en-GB" sz="2800" dirty="0">
+                <a:latin typeface="Arial Rounded MT Bold" panose="020F0704030504030204" pitchFamily="34" charset="0"/>
+              </a:rPr>
+              <a:t>World Goals</a:t>
+            </a:r>
+            <a:endParaRPr lang="en-US" sz="2800" dirty="0">
+              <a:latin typeface="Arial Rounded MT Bold" panose="020F0704030504030204" pitchFamily="34" charset="0"/>
+            </a:endParaRPr>
+          </a:p>
+        </p:txBody>
+      </p:sp>
     </p:spTree>
     <p:extLst>
       <p:ext uri="{BB962C8B-B14F-4D97-AF65-F5344CB8AC3E}">

--- a/Submittables/mockup_v2.pptx
+++ b/Submittables/mockup_v2.pptx
@@ -5,20 +5,19 @@
     <p:sldMasterId id="2147483648" r:id="rId1"/>
   </p:sldMasterIdLst>
   <p:notesMasterIdLst>
-    <p:notesMasterId r:id="rId13"/>
+    <p:notesMasterId r:id="rId12"/>
   </p:notesMasterIdLst>
   <p:sldIdLst>
     <p:sldId id="259" r:id="rId2"/>
-    <p:sldId id="261" r:id="rId3"/>
-    <p:sldId id="257" r:id="rId4"/>
-    <p:sldId id="256" r:id="rId5"/>
-    <p:sldId id="258" r:id="rId6"/>
-    <p:sldId id="260" r:id="rId7"/>
-    <p:sldId id="262" r:id="rId8"/>
-    <p:sldId id="263" r:id="rId9"/>
-    <p:sldId id="264" r:id="rId10"/>
-    <p:sldId id="267" r:id="rId11"/>
-    <p:sldId id="265" r:id="rId12"/>
+    <p:sldId id="264" r:id="rId3"/>
+    <p:sldId id="261" r:id="rId4"/>
+    <p:sldId id="257" r:id="rId5"/>
+    <p:sldId id="256" r:id="rId6"/>
+    <p:sldId id="258" r:id="rId7"/>
+    <p:sldId id="260" r:id="rId8"/>
+    <p:sldId id="262" r:id="rId9"/>
+    <p:sldId id="267" r:id="rId10"/>
+    <p:sldId id="265" r:id="rId11"/>
   </p:sldIdLst>
   <p:sldSz cx="12192000" cy="6858000"/>
   <p:notesSz cx="6858000" cy="9144000"/>
@@ -539,7 +538,7 @@
           <a:p>
             <a:fld id="{39A73F48-BB01-4F7D-BE5F-25A7076C29D3}" type="slidenum">
               <a:rPr lang="en-GB" smtClean="0"/>
-              <a:t>5</a:t>
+              <a:t>6</a:t>
             </a:fld>
             <a:endParaRPr lang="en-GB"/>
           </a:p>
@@ -3985,89 +3984,8 @@
           <a:chExt cx="0" cy="0"/>
         </a:xfrm>
       </p:grpSpPr>
-      <p:sp>
-        <p:nvSpPr>
-          <p:cNvPr id="2" name="TextBox 1">
-            <a:extLst>
-              <a:ext uri="{FF2B5EF4-FFF2-40B4-BE49-F238E27FC236}">
-                <a16:creationId xmlns:a16="http://schemas.microsoft.com/office/drawing/2014/main" id="{B02A53A9-A5A6-4A24-54F1-B380AF1FEFE3}"/>
-              </a:ext>
-            </a:extLst>
-          </p:cNvPr>
-          <p:cNvSpPr txBox="1"/>
-          <p:nvPr/>
-        </p:nvSpPr>
-        <p:spPr>
-          <a:xfrm>
-            <a:off x="3049" y="2511304"/>
-            <a:ext cx="12188951" cy="1200329"/>
-          </a:xfrm>
-          <a:prstGeom prst="rect">
-            <a:avLst/>
-          </a:prstGeom>
-          <a:noFill/>
-        </p:spPr>
-        <p:txBody>
-          <a:bodyPr wrap="square" anchor="t">
-            <a:spAutoFit/>
-          </a:bodyPr>
-          <a:lstStyle/>
-          <a:p>
-            <a:pPr algn="ctr"/>
-            <a:r>
-              <a:rPr lang="en-GB" sz="7200" b="1" u="none" strike="noStrike" baseline="0" dirty="0">
-                <a:solidFill>
-                  <a:schemeClr val="bg1">
-                    <a:lumMod val="50000"/>
-                  </a:schemeClr>
-                </a:solidFill>
-                <a:latin typeface="Arial Rounded MT Bold" panose="020F0704030504030204" pitchFamily="34" charset="0"/>
-              </a:rPr>
-              <a:t>The Model</a:t>
-            </a:r>
-            <a:endParaRPr lang="en-US" sz="23900" b="1" dirty="0">
-              <a:solidFill>
-                <a:schemeClr val="bg1">
-                  <a:lumMod val="50000"/>
-                </a:schemeClr>
-              </a:solidFill>
-              <a:latin typeface="Arial Rounded MT Bold" panose="020F0704030504030204" pitchFamily="34" charset="0"/>
-            </a:endParaRPr>
-          </a:p>
-        </p:txBody>
-      </p:sp>
-    </p:spTree>
-    <p:extLst>
-      <p:ext uri="{BB962C8B-B14F-4D97-AF65-F5344CB8AC3E}">
-        <p14:creationId xmlns:p14="http://schemas.microsoft.com/office/powerpoint/2010/main" val="2285331621"/>
-      </p:ext>
-    </p:extLst>
-  </p:cSld>
-  <p:clrMapOvr>
-    <a:masterClrMapping/>
-  </p:clrMapOvr>
-</p:sld>
-</file>
-
-<file path=ppt/slides/slide11.xml><?xml version="1.0" encoding="utf-8"?>
-<p:sld xmlns:a="http://schemas.openxmlformats.org/drawingml/2006/main" xmlns:r="http://schemas.openxmlformats.org/officeDocument/2006/relationships" xmlns:p="http://schemas.openxmlformats.org/presentationml/2006/main">
-  <p:cSld>
-    <p:spTree>
-      <p:nvGrpSpPr>
-        <p:cNvPr id="1" name=""/>
-        <p:cNvGrpSpPr/>
-        <p:nvPr/>
-      </p:nvGrpSpPr>
-      <p:grpSpPr>
-        <a:xfrm>
-          <a:off x="0" y="0"/>
-          <a:ext cx="0" cy="0"/>
-          <a:chOff x="0" y="0"/>
-          <a:chExt cx="0" cy="0"/>
-        </a:xfrm>
-      </p:grpSpPr>
-      <mc:AlternateContent xmlns:mc="http://schemas.openxmlformats.org/markup-compatibility/2006" xmlns:a14="http://schemas.microsoft.com/office/drawing/2010/main">
-        <mc:Choice Requires="a14">
+      <mc:AlternateContent xmlns:mc="http://schemas.openxmlformats.org/markup-compatibility/2006">
+        <mc:Choice xmlns:a14="http://schemas.microsoft.com/office/drawing/2010/main" Requires="a14">
           <p:sp>
             <p:nvSpPr>
               <p:cNvPr id="2" name="TextBox 1">
@@ -4082,8 +4000,8 @@
             </p:nvSpPr>
             <p:spPr>
               <a:xfrm>
-                <a:off x="325821" y="241738"/>
-                <a:ext cx="7788166" cy="6986528"/>
+                <a:off x="325821" y="275572"/>
+                <a:ext cx="7788166" cy="6306855"/>
               </a:xfrm>
               <a:prstGeom prst="rect">
                 <a:avLst/>
@@ -4096,20 +4014,33 @@
               </a:bodyPr>
               <a:lstStyle/>
               <a:p>
+                <a:pPr>
+                  <a:spcAft>
+                    <a:spcPts val="400"/>
+                  </a:spcAft>
+                </a:pPr>
                 <a:r>
                   <a:rPr lang="en-GB" sz="2800" dirty="0">
                     <a:latin typeface="Arial Rounded MT Bold" panose="020F0704030504030204" pitchFamily="34" charset="0"/>
                   </a:rPr>
-                  <a:t>Some Underlying Rules</a:t>
+                  <a:t>Key Behaviours Captured through Rules</a:t>
                 </a:r>
               </a:p>
               <a:p>
+                <a:pPr>
+                  <a:spcAft>
+                    <a:spcPts val="400"/>
+                  </a:spcAft>
+                </a:pPr>
                 <a:endParaRPr lang="en-GB" sz="2000" dirty="0">
                   <a:latin typeface="Arial Rounded MT Bold" panose="020F0704030504030204" pitchFamily="34" charset="0"/>
                 </a:endParaRPr>
               </a:p>
               <a:p>
                 <a:pPr marL="457200" indent="-457200">
+                  <a:spcAft>
+                    <a:spcPts val="140"/>
+                  </a:spcAft>
                   <a:buFont typeface="Arial" panose="020B0604020202020204" pitchFamily="34" charset="0"/>
                   <a:buChar char="•"/>
                 </a:pPr>
@@ -4117,11 +4048,61 @@
                   <a:rPr lang="en-GB" sz="2000" dirty="0">
                     <a:latin typeface="Arial Rounded MT Bold" panose="020F0704030504030204" pitchFamily="34" charset="0"/>
                   </a:rPr>
-                  <a:t>CO2 increases every timestep to model world emission.</a:t>
+                  <a:t>Funds </a:t>
+                </a:r>
+                <a14:m>
+                  <m:oMath xmlns:m="http://schemas.openxmlformats.org/officeDocument/2006/math">
+                    <m:r>
+                      <a:rPr lang="en-GB" sz="2000" b="0" i="1" smtClean="0">
+                        <a:latin typeface="Cambria Math" panose="02040503050406030204" pitchFamily="18" charset="0"/>
+                      </a:rPr>
+                      <m:t>∝</m:t>
+                    </m:r>
+                  </m:oMath>
+                </a14:m>
+                <a:r>
+                  <a:rPr lang="en-GB" sz="2000" dirty="0">
+                    <a:latin typeface="Arial Rounded MT Bold" panose="020F0704030504030204" pitchFamily="34" charset="0"/>
+                  </a:rPr>
+                  <a:t> Harvest or Service Provision, 1/Taking an Action, 1/Time</a:t>
                 </a:r>
               </a:p>
               <a:p>
                 <a:pPr marL="457200" indent="-457200">
+                  <a:spcAft>
+                    <a:spcPts val="140"/>
+                  </a:spcAft>
+                  <a:buFont typeface="Arial" panose="020B0604020202020204" pitchFamily="34" charset="0"/>
+                  <a:buChar char="•"/>
+                </a:pPr>
+                <a:r>
+                  <a:rPr lang="en-GB" sz="2000" dirty="0">
+                    <a:latin typeface="Arial Rounded MT Bold" panose="020F0704030504030204" pitchFamily="34" charset="0"/>
+                  </a:rPr>
+                  <a:t>CO2 </a:t>
+                </a:r>
+                <a14:m>
+                  <m:oMath xmlns:m="http://schemas.openxmlformats.org/officeDocument/2006/math">
+                    <m:r>
+                      <a:rPr lang="en-GB" sz="2000" b="0" i="1" smtClean="0">
+                        <a:latin typeface="Cambria Math" panose="02040503050406030204" pitchFamily="18" charset="0"/>
+                      </a:rPr>
+                      <m:t>∝</m:t>
+                    </m:r>
+                  </m:oMath>
+                </a14:m>
+                <a:r>
+                  <a:rPr lang="en-GB" sz="2000" dirty="0">
+                    <a:latin typeface="Arial Rounded MT Bold" panose="020F0704030504030204" pitchFamily="34" charset="0"/>
+                  </a:rPr>
+                  <a:t> time, Tree decay, Taking an Action, 1/Tree Co2 Absorption.</a:t>
+                </a:r>
+              </a:p>
+              <a:p>
+                <a:pPr marL="457200" indent="-457200">
+                  <a:spcAft>
+                    <a:spcPts val="140"/>
+                  </a:spcAft>
                   <a:buFont typeface="Arial" panose="020B0604020202020204" pitchFamily="34" charset="0"/>
                   <a:buChar char="•"/>
                 </a:pPr>
@@ -4150,6 +4131,9 @@
               </a:p>
               <a:p>
                 <a:pPr marL="457200" indent="-457200">
+                  <a:spcAft>
+                    <a:spcPts val="140"/>
+                  </a:spcAft>
                   <a:buFont typeface="Arial" panose="020B0604020202020204" pitchFamily="34" charset="0"/>
                   <a:buChar char="•"/>
                 </a:pPr>
@@ -4162,6 +4146,9 @@
               </a:p>
               <a:p>
                 <a:pPr marL="457200" indent="-457200">
+                  <a:spcAft>
+                    <a:spcPts val="140"/>
+                  </a:spcAft>
                   <a:buFont typeface="Arial" panose="020B0604020202020204" pitchFamily="34" charset="0"/>
                   <a:buChar char="•"/>
                 </a:pPr>
@@ -4174,6 +4161,9 @@
               </a:p>
               <a:p>
                 <a:pPr marL="457200" indent="-457200">
+                  <a:spcAft>
+                    <a:spcPts val="140"/>
+                  </a:spcAft>
                   <a:buFont typeface="Arial" panose="020B0604020202020204" pitchFamily="34" charset="0"/>
                   <a:buChar char="•"/>
                 </a:pPr>
@@ -4186,6 +4176,9 @@
               </a:p>
               <a:p>
                 <a:pPr marL="457200" indent="-457200">
+                  <a:spcAft>
+                    <a:spcPts val="140"/>
+                  </a:spcAft>
                   <a:buFont typeface="Arial" panose="020B0604020202020204" pitchFamily="34" charset="0"/>
                   <a:buChar char="•"/>
                 </a:pPr>
@@ -4214,6 +4207,9 @@
               </a:p>
               <a:p>
                 <a:pPr marL="457200" indent="-457200">
+                  <a:spcAft>
+                    <a:spcPts val="140"/>
+                  </a:spcAft>
                   <a:buFont typeface="Arial" panose="020B0604020202020204" pitchFamily="34" charset="0"/>
                   <a:buChar char="•"/>
                 </a:pPr>
@@ -4242,6 +4238,9 @@
               </a:p>
               <a:p>
                 <a:pPr marL="457200" indent="-457200">
+                  <a:spcAft>
+                    <a:spcPts val="140"/>
+                  </a:spcAft>
                   <a:buFont typeface="Arial" panose="020B0604020202020204" pitchFamily="34" charset="0"/>
                   <a:buChar char="•"/>
                 </a:pPr>
@@ -4270,6 +4269,9 @@
               </a:p>
               <a:p>
                 <a:pPr marL="457200" indent="-457200">
+                  <a:spcAft>
+                    <a:spcPts val="140"/>
+                  </a:spcAft>
                   <a:buFont typeface="Arial" panose="020B0604020202020204" pitchFamily="34" charset="0"/>
                   <a:buChar char="•"/>
                 </a:pPr>
@@ -4298,6 +4300,9 @@
               </a:p>
               <a:p>
                 <a:pPr marL="457200" indent="-457200">
+                  <a:spcAft>
+                    <a:spcPts val="140"/>
+                  </a:spcAft>
                   <a:buFont typeface="Arial" panose="020B0604020202020204" pitchFamily="34" charset="0"/>
                   <a:buChar char="•"/>
                 </a:pPr>
@@ -4326,62 +4331,9 @@
               </a:p>
               <a:p>
                 <a:pPr marL="457200" indent="-457200">
-                  <a:buFont typeface="Arial" panose="020B0604020202020204" pitchFamily="34" charset="0"/>
-                  <a:buChar char="•"/>
-                </a:pPr>
-                <a:r>
-                  <a:rPr lang="en-GB" sz="2000" dirty="0">
-                    <a:latin typeface="Arial Rounded MT Bold" panose="020F0704030504030204" pitchFamily="34" charset="0"/>
-                  </a:rPr>
-                  <a:t>Funds </a:t>
-                </a:r>
-                <a14:m>
-                  <m:oMath xmlns:m="http://schemas.openxmlformats.org/officeDocument/2006/math">
-                    <m:r>
-                      <a:rPr lang="en-GB" sz="2000" b="0" i="1" smtClean="0">
-                        <a:latin typeface="Cambria Math" panose="02040503050406030204" pitchFamily="18" charset="0"/>
-                      </a:rPr>
-                      <m:t>∝</m:t>
-                    </m:r>
-                  </m:oMath>
-                </a14:m>
-                <a:r>
-                  <a:rPr lang="en-GB" sz="2000" dirty="0">
-                    <a:latin typeface="Arial Rounded MT Bold" panose="020F0704030504030204" pitchFamily="34" charset="0"/>
-                  </a:rPr>
-                  <a:t> Harvest or Service Provision, 1/Taking an Action, 1/Time</a:t>
-                </a:r>
-              </a:p>
-              <a:p>
-                <a:pPr marL="457200" indent="-457200">
-                  <a:buFont typeface="Arial" panose="020B0604020202020204" pitchFamily="34" charset="0"/>
-                  <a:buChar char="•"/>
-                </a:pPr>
-                <a:r>
-                  <a:rPr lang="en-GB" sz="2000" dirty="0">
-                    <a:latin typeface="Arial Rounded MT Bold" panose="020F0704030504030204" pitchFamily="34" charset="0"/>
-                  </a:rPr>
-                  <a:t>CO2 </a:t>
-                </a:r>
-                <a14:m>
-                  <m:oMath xmlns:m="http://schemas.openxmlformats.org/officeDocument/2006/math">
-                    <m:r>
-                      <a:rPr lang="en-GB" sz="2000" b="0" i="1" smtClean="0">
-                        <a:latin typeface="Cambria Math" panose="02040503050406030204" pitchFamily="18" charset="0"/>
-                      </a:rPr>
-                      <m:t>∝</m:t>
-                    </m:r>
-                  </m:oMath>
-                </a14:m>
-                <a:r>
-                  <a:rPr lang="en-GB" sz="2000" dirty="0">
-                    <a:latin typeface="Arial Rounded MT Bold" panose="020F0704030504030204" pitchFamily="34" charset="0"/>
-                  </a:rPr>
-                  <a:t> time, Tree decay, Taking an Action, 1/Tree Co2 Absorption, </a:t>
-                </a:r>
-              </a:p>
-              <a:p>
-                <a:pPr marL="457200" indent="-457200">
+                  <a:spcAft>
+                    <a:spcPts val="140"/>
+                  </a:spcAft>
                   <a:buFont typeface="Arial" panose="020B0604020202020204" pitchFamily="34" charset="0"/>
                   <a:buChar char="•"/>
                 </a:pPr>
@@ -4392,28 +4344,10 @@
                   <a:t>Carbon Release depends on time, tree mass, cause of death (natural / anthropogenetic).</a:t>
                 </a:r>
               </a:p>
-              <a:p>
-                <a:pPr marL="457200" indent="-457200">
-                  <a:buFont typeface="Arial" panose="020B0604020202020204" pitchFamily="34" charset="0"/>
-                  <a:buChar char="•"/>
-                </a:pPr>
-                <a:endParaRPr lang="en-GB" sz="2000" dirty="0">
-                  <a:latin typeface="Arial Rounded MT Bold" panose="020F0704030504030204" pitchFamily="34" charset="0"/>
-                </a:endParaRPr>
-              </a:p>
-              <a:p>
-                <a:pPr marL="457200" indent="-457200">
-                  <a:buFont typeface="Arial" panose="020B0604020202020204" pitchFamily="34" charset="0"/>
-                  <a:buChar char="•"/>
-                </a:pPr>
-                <a:endParaRPr lang="en-US" sz="2000" dirty="0">
-                  <a:latin typeface="Arial Rounded MT Bold" panose="020F0704030504030204" pitchFamily="34" charset="0"/>
-                </a:endParaRPr>
-              </a:p>
             </p:txBody>
           </p:sp>
         </mc:Choice>
-        <mc:Fallback xmlns="">
+        <mc:Fallback>
           <p:sp>
             <p:nvSpPr>
               <p:cNvPr id="2" name="TextBox 1">
@@ -4430,8 +4364,8 @@
             </p:nvSpPr>
             <p:spPr>
               <a:xfrm>
-                <a:off x="325821" y="241738"/>
-                <a:ext cx="7788166" cy="6986528"/>
+                <a:off x="325821" y="275572"/>
+                <a:ext cx="7788166" cy="6306855"/>
               </a:xfrm>
               <a:prstGeom prst="rect">
                 <a:avLst/>
@@ -4439,7 +4373,7 @@
               <a:blipFill>
                 <a:blip r:embed="rId2"/>
                 <a:stretch>
-                  <a:fillRect l="-1565" t="-960" r="-1095"/>
+                  <a:fillRect l="-1565" t="-966" r="-1095" b="-676"/>
                 </a:stretch>
               </a:blipFill>
             </p:spPr>
@@ -4534,6 +4468,451 @@
 <file path=ppt/slides/slide2.xml><?xml version="1.0" encoding="utf-8"?>
 <p:sld xmlns:a="http://schemas.openxmlformats.org/drawingml/2006/main" xmlns:r="http://schemas.openxmlformats.org/officeDocument/2006/relationships" xmlns:p="http://schemas.openxmlformats.org/presentationml/2006/main">
   <p:cSld>
+    <p:spTree>
+      <p:nvGrpSpPr>
+        <p:cNvPr id="1" name=""/>
+        <p:cNvGrpSpPr/>
+        <p:nvPr/>
+      </p:nvGrpSpPr>
+      <p:grpSpPr>
+        <a:xfrm>
+          <a:off x="0" y="0"/>
+          <a:ext cx="0" cy="0"/>
+          <a:chOff x="0" y="0"/>
+          <a:chExt cx="0" cy="0"/>
+        </a:xfrm>
+      </p:grpSpPr>
+      <p:sp>
+        <p:nvSpPr>
+          <p:cNvPr id="3" name="TextBox 2">
+            <a:extLst>
+              <a:ext uri="{FF2B5EF4-FFF2-40B4-BE49-F238E27FC236}">
+                <a16:creationId xmlns:a16="http://schemas.microsoft.com/office/drawing/2014/main" id="{39DC24E8-CF14-7213-4D98-8E35D0EC9C4D}"/>
+              </a:ext>
+            </a:extLst>
+          </p:cNvPr>
+          <p:cNvSpPr txBox="1"/>
+          <p:nvPr/>
+        </p:nvSpPr>
+        <p:spPr>
+          <a:xfrm>
+            <a:off x="430923" y="887793"/>
+            <a:ext cx="11298622" cy="1815882"/>
+          </a:xfrm>
+          <a:prstGeom prst="rect">
+            <a:avLst/>
+          </a:prstGeom>
+          <a:noFill/>
+        </p:spPr>
+        <p:txBody>
+          <a:bodyPr wrap="square" rtlCol="0">
+            <a:spAutoFit/>
+          </a:bodyPr>
+          <a:lstStyle/>
+          <a:p>
+            <a:r>
+              <a:rPr lang="en-GB" sz="3000" u="sng" dirty="0">
+                <a:solidFill>
+                  <a:schemeClr val="accent6"/>
+                </a:solidFill>
+                <a:latin typeface="Arial Rounded MT Bold" panose="020F0704030504030204" pitchFamily="34" charset="0"/>
+              </a:rPr>
+              <a:t>Challenge 1</a:t>
+            </a:r>
+            <a:r>
+              <a:rPr lang="en-GB" sz="3000" dirty="0">
+                <a:solidFill>
+                  <a:schemeClr val="accent6"/>
+                </a:solidFill>
+                <a:latin typeface="Arial Rounded MT Bold" panose="020F0704030504030204" pitchFamily="34" charset="0"/>
+              </a:rPr>
+              <a:t>: Set as low of a CO2 threshold as possible.</a:t>
+            </a:r>
+          </a:p>
+          <a:p>
+            <a:pPr marL="342900" indent="-342900">
+              <a:buFont typeface="Wingdings" panose="05000000000000000000" pitchFamily="2" charset="2"/>
+              <a:buChar char="Ø"/>
+            </a:pPr>
+            <a:r>
+              <a:rPr lang="en-GB" sz="2000" dirty="0">
+                <a:solidFill>
+                  <a:schemeClr val="accent6">
+                    <a:lumMod val="75000"/>
+                  </a:schemeClr>
+                </a:solidFill>
+                <a:latin typeface="Arial Rounded MT Bold" panose="020F0704030504030204" pitchFamily="34" charset="0"/>
+              </a:rPr>
+              <a:t>Biodiversity is proportional to CO2 sequestered (build an ecosystem, not a plantation).</a:t>
+            </a:r>
+          </a:p>
+          <a:p>
+            <a:pPr marL="342900" indent="-342900">
+              <a:buFont typeface="Wingdings" panose="05000000000000000000" pitchFamily="2" charset="2"/>
+              <a:buChar char="Ø"/>
+            </a:pPr>
+            <a:r>
+              <a:rPr lang="en-GB" sz="2000" dirty="0">
+                <a:solidFill>
+                  <a:schemeClr val="accent6">
+                    <a:lumMod val="75000"/>
+                  </a:schemeClr>
+                </a:solidFill>
+                <a:latin typeface="Arial Rounded MT Bold" panose="020F0704030504030204" pitchFamily="34" charset="0"/>
+              </a:rPr>
+              <a:t>Preserve old growth.</a:t>
+            </a:r>
+          </a:p>
+          <a:p>
+            <a:pPr marL="342900" indent="-342900">
+              <a:buFont typeface="Wingdings" panose="05000000000000000000" pitchFamily="2" charset="2"/>
+              <a:buChar char="Ø"/>
+            </a:pPr>
+            <a:r>
+              <a:rPr lang="en-GB" sz="2000" dirty="0">
+                <a:solidFill>
+                  <a:schemeClr val="accent6">
+                    <a:lumMod val="75000"/>
+                  </a:schemeClr>
+                </a:solidFill>
+                <a:latin typeface="Arial Rounded MT Bold" panose="020F0704030504030204" pitchFamily="34" charset="0"/>
+              </a:rPr>
+              <a:t>Amount of CO2 is proportional to the growth rate of trees.</a:t>
+            </a:r>
+          </a:p>
+          <a:p>
+            <a:pPr marL="342900" indent="-342900">
+              <a:buFont typeface="Wingdings" panose="05000000000000000000" pitchFamily="2" charset="2"/>
+              <a:buChar char="Ø"/>
+            </a:pPr>
+            <a:r>
+              <a:rPr lang="en-GB" sz="2000" dirty="0">
+                <a:solidFill>
+                  <a:schemeClr val="accent6">
+                    <a:lumMod val="75000"/>
+                  </a:schemeClr>
+                </a:solidFill>
+                <a:latin typeface="Arial Rounded MT Bold" panose="020F0704030504030204" pitchFamily="34" charset="0"/>
+              </a:rPr>
+              <a:t>Gain a basic understanding of tool.</a:t>
+            </a:r>
+          </a:p>
+        </p:txBody>
+      </p:sp>
+      <p:sp>
+        <p:nvSpPr>
+          <p:cNvPr id="4" name="TextBox 3">
+            <a:extLst>
+              <a:ext uri="{FF2B5EF4-FFF2-40B4-BE49-F238E27FC236}">
+                <a16:creationId xmlns:a16="http://schemas.microsoft.com/office/drawing/2014/main" id="{34CF7137-E6E3-B7A2-DFBC-286B6B400491}"/>
+              </a:ext>
+            </a:extLst>
+          </p:cNvPr>
+          <p:cNvSpPr txBox="1"/>
+          <p:nvPr/>
+        </p:nvSpPr>
+        <p:spPr>
+          <a:xfrm>
+            <a:off x="430923" y="2823205"/>
+            <a:ext cx="11298622" cy="1508105"/>
+          </a:xfrm>
+          <a:prstGeom prst="rect">
+            <a:avLst/>
+          </a:prstGeom>
+          <a:noFill/>
+        </p:spPr>
+        <p:txBody>
+          <a:bodyPr wrap="square" rtlCol="0">
+            <a:spAutoFit/>
+          </a:bodyPr>
+          <a:lstStyle/>
+          <a:p>
+            <a:r>
+              <a:rPr lang="en-GB" sz="3000" u="sng" dirty="0">
+                <a:solidFill>
+                  <a:schemeClr val="accent2"/>
+                </a:solidFill>
+                <a:latin typeface="Arial Rounded MT Bold" panose="020F0704030504030204" pitchFamily="34" charset="0"/>
+              </a:rPr>
+              <a:t>Challenge 2</a:t>
+            </a:r>
+            <a:r>
+              <a:rPr lang="en-GB" sz="3000" dirty="0">
+                <a:solidFill>
+                  <a:schemeClr val="accent2"/>
+                </a:solidFill>
+                <a:latin typeface="Arial Rounded MT Bold" panose="020F0704030504030204" pitchFamily="34" charset="0"/>
+              </a:rPr>
+              <a:t>:</a:t>
+            </a:r>
+            <a:r>
+              <a:rPr lang="en-GB" sz="3000" dirty="0">
+                <a:solidFill>
+                  <a:schemeClr val="accent2">
+                    <a:lumMod val="75000"/>
+                  </a:schemeClr>
+                </a:solidFill>
+                <a:latin typeface="Arial Rounded MT Bold" panose="020F0704030504030204" pitchFamily="34" charset="0"/>
+              </a:rPr>
+              <a:t> </a:t>
+            </a:r>
+            <a:r>
+              <a:rPr lang="en-GB" sz="3000" dirty="0">
+                <a:solidFill>
+                  <a:schemeClr val="accent2"/>
+                </a:solidFill>
+                <a:latin typeface="Arial Rounded MT Bold" panose="020F0704030504030204" pitchFamily="34" charset="0"/>
+              </a:rPr>
+              <a:t>Set as high of a target income as possible.</a:t>
+            </a:r>
+            <a:endParaRPr lang="en-GB" sz="3000" dirty="0">
+              <a:solidFill>
+                <a:schemeClr val="accent6">
+                  <a:lumMod val="75000"/>
+                </a:schemeClr>
+              </a:solidFill>
+              <a:latin typeface="Arial Rounded MT Bold" panose="020F0704030504030204" pitchFamily="34" charset="0"/>
+            </a:endParaRPr>
+          </a:p>
+          <a:p>
+            <a:pPr marL="342900" indent="-342900">
+              <a:buFont typeface="Wingdings" panose="05000000000000000000" pitchFamily="2" charset="2"/>
+              <a:buChar char="Ø"/>
+            </a:pPr>
+            <a:r>
+              <a:rPr lang="en-GB" sz="2000" dirty="0">
+                <a:solidFill>
+                  <a:schemeClr val="accent2">
+                    <a:lumMod val="75000"/>
+                  </a:schemeClr>
+                </a:solidFill>
+                <a:latin typeface="Arial Rounded MT Bold" panose="020F0704030504030204" pitchFamily="34" charset="0"/>
+              </a:rPr>
+              <a:t>Streams of revenue from a forest is not limited to just Timber.</a:t>
+            </a:r>
+          </a:p>
+          <a:p>
+            <a:pPr marL="342900" indent="-342900">
+              <a:buFont typeface="Wingdings" panose="05000000000000000000" pitchFamily="2" charset="2"/>
+              <a:buChar char="Ø"/>
+            </a:pPr>
+            <a:r>
+              <a:rPr lang="en-GB" sz="2000" dirty="0">
+                <a:solidFill>
+                  <a:schemeClr val="accent2">
+                    <a:lumMod val="75000"/>
+                  </a:schemeClr>
+                </a:solidFill>
+                <a:latin typeface="Arial Rounded MT Bold" panose="020F0704030504030204" pitchFamily="34" charset="0"/>
+              </a:rPr>
+              <a:t>Most revenue streams other than Timber are less reliable and less income generating.</a:t>
+            </a:r>
+          </a:p>
+          <a:p>
+            <a:pPr marL="342900" indent="-342900">
+              <a:buFont typeface="Wingdings" panose="05000000000000000000" pitchFamily="2" charset="2"/>
+              <a:buChar char="Ø"/>
+            </a:pPr>
+            <a:r>
+              <a:rPr lang="en-GB" sz="2000" dirty="0">
+                <a:solidFill>
+                  <a:schemeClr val="accent2">
+                    <a:lumMod val="75000"/>
+                  </a:schemeClr>
+                </a:solidFill>
+                <a:latin typeface="Arial Rounded MT Bold" panose="020F0704030504030204" pitchFamily="34" charset="0"/>
+              </a:rPr>
+              <a:t>Get a good feel for the tool.</a:t>
+            </a:r>
+          </a:p>
+        </p:txBody>
+      </p:sp>
+      <p:sp>
+        <p:nvSpPr>
+          <p:cNvPr id="5" name="TextBox 4">
+            <a:extLst>
+              <a:ext uri="{FF2B5EF4-FFF2-40B4-BE49-F238E27FC236}">
+                <a16:creationId xmlns:a16="http://schemas.microsoft.com/office/drawing/2014/main" id="{C956D538-E172-2828-3CFC-64E8E8BA062C}"/>
+              </a:ext>
+            </a:extLst>
+          </p:cNvPr>
+          <p:cNvSpPr txBox="1"/>
+          <p:nvPr/>
+        </p:nvSpPr>
+        <p:spPr>
+          <a:xfrm>
+            <a:off x="430923" y="4477743"/>
+            <a:ext cx="11298622" cy="2585323"/>
+          </a:xfrm>
+          <a:prstGeom prst="rect">
+            <a:avLst/>
+          </a:prstGeom>
+          <a:noFill/>
+        </p:spPr>
+        <p:txBody>
+          <a:bodyPr wrap="square" rtlCol="0">
+            <a:spAutoFit/>
+          </a:bodyPr>
+          <a:lstStyle/>
+          <a:p>
+            <a:r>
+              <a:rPr lang="en-GB" sz="3000" u="sng" dirty="0">
+                <a:solidFill>
+                  <a:srgbClr val="4169E1"/>
+                </a:solidFill>
+                <a:latin typeface="Arial Rounded MT Bold" panose="020F0704030504030204" pitchFamily="34" charset="0"/>
+              </a:rPr>
+              <a:t>Challenge 3</a:t>
+            </a:r>
+            <a:r>
+              <a:rPr lang="en-GB" sz="3000" dirty="0">
+                <a:solidFill>
+                  <a:srgbClr val="4169E1"/>
+                </a:solidFill>
+                <a:latin typeface="Arial Rounded MT Bold" panose="020F0704030504030204" pitchFamily="34" charset="0"/>
+              </a:rPr>
+              <a:t>: Try to maximize Income &amp; CO2 sequestration.</a:t>
+            </a:r>
+          </a:p>
+          <a:p>
+            <a:pPr marL="457200" indent="-457200">
+              <a:buFont typeface="Wingdings" panose="05000000000000000000" pitchFamily="2" charset="2"/>
+              <a:buChar char="Ø"/>
+            </a:pPr>
+            <a:r>
+              <a:rPr lang="en-GB" sz="2000" dirty="0">
+                <a:solidFill>
+                  <a:schemeClr val="accent1">
+                    <a:lumMod val="75000"/>
+                  </a:schemeClr>
+                </a:solidFill>
+                <a:latin typeface="Arial Rounded MT Bold" panose="020F0704030504030204" pitchFamily="34" charset="0"/>
+              </a:rPr>
+              <a:t>Stumble upon sustainable forest management practices like intermittent plantation.</a:t>
+            </a:r>
+          </a:p>
+          <a:p>
+            <a:pPr marL="457200" indent="-457200">
+              <a:buFont typeface="Wingdings" panose="05000000000000000000" pitchFamily="2" charset="2"/>
+              <a:buChar char="Ø"/>
+            </a:pPr>
+            <a:r>
+              <a:rPr lang="en-GB" sz="2000" dirty="0">
+                <a:solidFill>
+                  <a:schemeClr val="accent1">
+                    <a:lumMod val="75000"/>
+                  </a:schemeClr>
+                </a:solidFill>
+                <a:latin typeface="Arial Rounded MT Bold" panose="020F0704030504030204" pitchFamily="34" charset="0"/>
+              </a:rPr>
+              <a:t>Minimising reliance of Timber and determining the correct amount of reliance of different less stable climate friendly sources of income from the forest is challenging.</a:t>
+            </a:r>
+          </a:p>
+          <a:p>
+            <a:pPr marL="457200" indent="-457200">
+              <a:buFont typeface="Wingdings" panose="05000000000000000000" pitchFamily="2" charset="2"/>
+              <a:buChar char="Ø"/>
+            </a:pPr>
+            <a:r>
+              <a:rPr lang="en-GB" sz="2000" dirty="0">
+                <a:solidFill>
+                  <a:schemeClr val="accent1">
+                    <a:lumMod val="75000"/>
+                  </a:schemeClr>
+                </a:solidFill>
+                <a:latin typeface="Arial Rounded MT Bold" panose="020F0704030504030204" pitchFamily="34" charset="0"/>
+              </a:rPr>
+              <a:t>This is challenging and profit margin may be lower, but using forests as carbon sinks is economically viable.</a:t>
+            </a:r>
+          </a:p>
+          <a:p>
+            <a:pPr marL="457200" indent="-457200">
+              <a:buFont typeface="Wingdings" panose="05000000000000000000" pitchFamily="2" charset="2"/>
+              <a:buChar char="Ø"/>
+            </a:pPr>
+            <a:endParaRPr lang="en-GB" sz="3200" dirty="0">
+              <a:solidFill>
+                <a:srgbClr val="4169E1"/>
+              </a:solidFill>
+              <a:latin typeface="Arial Rounded MT Bold" panose="020F0704030504030204" pitchFamily="34" charset="0"/>
+            </a:endParaRPr>
+          </a:p>
+        </p:txBody>
+      </p:sp>
+      <p:sp>
+        <p:nvSpPr>
+          <p:cNvPr id="6" name="TextBox 5">
+            <a:extLst>
+              <a:ext uri="{FF2B5EF4-FFF2-40B4-BE49-F238E27FC236}">
+                <a16:creationId xmlns:a16="http://schemas.microsoft.com/office/drawing/2014/main" id="{99706371-9B61-BA63-4986-F6A76FF4ED4D}"/>
+              </a:ext>
+            </a:extLst>
+          </p:cNvPr>
+          <p:cNvSpPr txBox="1"/>
+          <p:nvPr/>
+        </p:nvSpPr>
+        <p:spPr>
+          <a:xfrm>
+            <a:off x="430924" y="273269"/>
+            <a:ext cx="11508828" cy="461665"/>
+          </a:xfrm>
+          <a:prstGeom prst="rect">
+            <a:avLst/>
+          </a:prstGeom>
+          <a:noFill/>
+        </p:spPr>
+        <p:txBody>
+          <a:bodyPr wrap="square" rtlCol="0">
+            <a:spAutoFit/>
+          </a:bodyPr>
+          <a:lstStyle/>
+          <a:p>
+            <a:r>
+              <a:rPr lang="en-GB" sz="2400" dirty="0">
+                <a:latin typeface="Arial Rounded MT Bold" panose="020F0704030504030204" pitchFamily="34" charset="0"/>
+              </a:rPr>
+              <a:t>Learning Outcome: </a:t>
+            </a:r>
+            <a:r>
+              <a:rPr lang="en-GB" sz="2400" dirty="0">
+                <a:solidFill>
+                  <a:schemeClr val="tx1">
+                    <a:lumMod val="50000"/>
+                    <a:lumOff val="50000"/>
+                  </a:schemeClr>
+                </a:solidFill>
+                <a:latin typeface="Arial Rounded MT Bold" panose="020F0704030504030204" pitchFamily="34" charset="0"/>
+              </a:rPr>
+              <a:t>Sustainable Forest Management Challenges / Strategies</a:t>
+            </a:r>
+            <a:endParaRPr lang="en-US" sz="2400" dirty="0">
+              <a:solidFill>
+                <a:schemeClr val="tx1">
+                  <a:lumMod val="50000"/>
+                  <a:lumOff val="50000"/>
+                </a:schemeClr>
+              </a:solidFill>
+              <a:latin typeface="Arial Rounded MT Bold" panose="020F0704030504030204" pitchFamily="34" charset="0"/>
+            </a:endParaRPr>
+          </a:p>
+        </p:txBody>
+      </p:sp>
+    </p:spTree>
+    <p:extLst>
+      <p:ext uri="{BB962C8B-B14F-4D97-AF65-F5344CB8AC3E}">
+        <p14:creationId xmlns:p14="http://schemas.microsoft.com/office/powerpoint/2010/main" val="742500388"/>
+      </p:ext>
+    </p:extLst>
+  </p:cSld>
+  <p:clrMapOvr>
+    <a:masterClrMapping/>
+  </p:clrMapOvr>
+</p:sld>
+</file>
+
+<file path=ppt/slides/slide3.xml><?xml version="1.0" encoding="utf-8"?>
+<p:sld xmlns:a="http://schemas.openxmlformats.org/drawingml/2006/main" xmlns:r="http://schemas.openxmlformats.org/officeDocument/2006/relationships" xmlns:p="http://schemas.openxmlformats.org/presentationml/2006/main">
+  <p:cSld>
     <p:bg>
       <p:bgPr>
         <a:solidFill>
@@ -4616,7 +4995,7 @@
 </p:sld>
 </file>
 
-<file path=ppt/slides/slide3.xml><?xml version="1.0" encoding="utf-8"?>
+<file path=ppt/slides/slide4.xml><?xml version="1.0" encoding="utf-8"?>
 <p:sld xmlns:a="http://schemas.openxmlformats.org/drawingml/2006/main" xmlns:r="http://schemas.openxmlformats.org/officeDocument/2006/relationships" xmlns:p="http://schemas.openxmlformats.org/presentationml/2006/main">
   <p:cSld>
     <p:spTree>
@@ -5162,10 +5541,10 @@
       </p:grpSp>
       <p:grpSp>
         <p:nvGrpSpPr>
-          <p:cNvPr id="116" name="Group 115">
+          <p:cNvPr id="6" name="Group 5">
             <a:extLst>
               <a:ext uri="{FF2B5EF4-FFF2-40B4-BE49-F238E27FC236}">
-                <a16:creationId xmlns:a16="http://schemas.microsoft.com/office/drawing/2014/main" id="{B5F1B819-0016-F346-7F4D-BC85721300F7}"/>
+                <a16:creationId xmlns:a16="http://schemas.microsoft.com/office/drawing/2014/main" id="{4EE53501-435C-83F1-89B7-7A1640926CA1}"/>
               </a:ext>
             </a:extLst>
           </p:cNvPr>
@@ -5174,65 +5553,18 @@
         </p:nvGrpSpPr>
         <p:grpSpPr>
           <a:xfrm>
-            <a:off x="1256392" y="174013"/>
-            <a:ext cx="9536007" cy="3513556"/>
-            <a:chOff x="638844" y="185617"/>
-            <a:chExt cx="9536007" cy="3513556"/>
+            <a:off x="432634" y="87780"/>
+            <a:ext cx="11322759" cy="3513556"/>
+            <a:chOff x="184341" y="174013"/>
+            <a:chExt cx="11322759" cy="3513556"/>
           </a:xfrm>
         </p:grpSpPr>
-        <p:sp>
-          <p:nvSpPr>
-            <p:cNvPr id="106" name="TextBox 105">
+        <p:grpSp>
+          <p:nvGrpSpPr>
+            <p:cNvPr id="116" name="Group 115">
               <a:extLst>
                 <a:ext uri="{FF2B5EF4-FFF2-40B4-BE49-F238E27FC236}">
-                  <a16:creationId xmlns:a16="http://schemas.microsoft.com/office/drawing/2014/main" id="{F0940929-F5D0-7F44-6F52-8A370D248269}"/>
-                </a:ext>
-              </a:extLst>
-            </p:cNvPr>
-            <p:cNvSpPr txBox="1"/>
-            <p:nvPr/>
-          </p:nvSpPr>
-          <p:spPr>
-            <a:xfrm>
-              <a:off x="638844" y="185617"/>
-              <a:ext cx="2154372" cy="523220"/>
-            </a:xfrm>
-            <a:prstGeom prst="rect">
-              <a:avLst/>
-            </a:prstGeom>
-            <a:noFill/>
-          </p:spPr>
-          <p:txBody>
-            <a:bodyPr wrap="square" anchor="t">
-              <a:spAutoFit/>
-            </a:bodyPr>
-            <a:lstStyle/>
-            <a:p>
-              <a:pPr algn="ctr"/>
-              <a:r>
-                <a:rPr lang="en-GB" sz="2800" b="1" u="none" strike="noStrike" baseline="0" dirty="0">
-                  <a:solidFill>
-                    <a:schemeClr val="accent5"/>
-                  </a:solidFill>
-                  <a:latin typeface="Arial Rounded MT Bold" panose="020F0704030504030204" pitchFamily="34" charset="0"/>
-                </a:rPr>
-                <a:t>Resources</a:t>
-              </a:r>
-              <a:endParaRPr lang="en-US" sz="23900" b="1" dirty="0">
-                <a:solidFill>
-                  <a:schemeClr val="accent5"/>
-                </a:solidFill>
-                <a:latin typeface="Arial Rounded MT Bold" panose="020F0704030504030204" pitchFamily="34" charset="0"/>
-              </a:endParaRPr>
-            </a:p>
-          </p:txBody>
-        </p:sp>
-        <p:grpSp>
-          <p:nvGrpSpPr>
-            <p:cNvPr id="112" name="Group 111">
-              <a:extLst>
-                <a:ext uri="{FF2B5EF4-FFF2-40B4-BE49-F238E27FC236}">
-                  <a16:creationId xmlns:a16="http://schemas.microsoft.com/office/drawing/2014/main" id="{12D073FB-6D18-60C2-0F0C-1E5F1E7BE4AC}"/>
+                  <a16:creationId xmlns:a16="http://schemas.microsoft.com/office/drawing/2014/main" id="{B5F1B819-0016-F346-7F4D-BC85721300F7}"/>
                 </a:ext>
               </a:extLst>
             </p:cNvPr>
@@ -5241,18 +5573,65 @@
           </p:nvGrpSpPr>
           <p:grpSpPr>
             <a:xfrm>
-              <a:off x="1172208" y="1253638"/>
-              <a:ext cx="8785104" cy="2175362"/>
-              <a:chOff x="1156700" y="747209"/>
-              <a:chExt cx="9615388" cy="2380956"/>
+              <a:off x="184341" y="174013"/>
+              <a:ext cx="11322759" cy="3513556"/>
+              <a:chOff x="-1147908" y="185617"/>
+              <a:chExt cx="11322759" cy="3513556"/>
             </a:xfrm>
           </p:grpSpPr>
+          <p:sp>
+            <p:nvSpPr>
+              <p:cNvPr id="106" name="TextBox 105">
+                <a:extLst>
+                  <a:ext uri="{FF2B5EF4-FFF2-40B4-BE49-F238E27FC236}">
+                    <a16:creationId xmlns:a16="http://schemas.microsoft.com/office/drawing/2014/main" id="{F0940929-F5D0-7F44-6F52-8A370D248269}"/>
+                  </a:ext>
+                </a:extLst>
+              </p:cNvPr>
+              <p:cNvSpPr txBox="1"/>
+              <p:nvPr/>
+            </p:nvSpPr>
+            <p:spPr>
+              <a:xfrm>
+                <a:off x="-1147908" y="185617"/>
+                <a:ext cx="2154372" cy="523220"/>
+              </a:xfrm>
+              <a:prstGeom prst="rect">
+                <a:avLst/>
+              </a:prstGeom>
+              <a:noFill/>
+            </p:spPr>
+            <p:txBody>
+              <a:bodyPr wrap="square" anchor="t">
+                <a:spAutoFit/>
+              </a:bodyPr>
+              <a:lstStyle/>
+              <a:p>
+                <a:pPr algn="ctr"/>
+                <a:r>
+                  <a:rPr lang="en-GB" sz="2800" b="1" u="none" strike="noStrike" baseline="0" dirty="0">
+                    <a:solidFill>
+                      <a:schemeClr val="accent5"/>
+                    </a:solidFill>
+                    <a:latin typeface="Arial Rounded MT Bold" panose="020F0704030504030204" pitchFamily="34" charset="0"/>
+                  </a:rPr>
+                  <a:t>Resources</a:t>
+                </a:r>
+                <a:endParaRPr lang="en-US" sz="23900" b="1" dirty="0">
+                  <a:solidFill>
+                    <a:schemeClr val="accent5"/>
+                  </a:solidFill>
+                  <a:latin typeface="Arial Rounded MT Bold" panose="020F0704030504030204" pitchFamily="34" charset="0"/>
+                </a:endParaRPr>
+              </a:p>
+            </p:txBody>
+          </p:sp>
           <p:grpSp>
             <p:nvGrpSpPr>
-              <p:cNvPr id="105" name="Group 104">
+              <p:cNvPr id="112" name="Group 111">
                 <a:extLst>
                   <a:ext uri="{FF2B5EF4-FFF2-40B4-BE49-F238E27FC236}">
-                    <a16:creationId xmlns:a16="http://schemas.microsoft.com/office/drawing/2014/main" id="{85175276-A60D-499F-CC36-EB36E03A15C2}"/>
+                    <a16:creationId xmlns:a16="http://schemas.microsoft.com/office/drawing/2014/main" id="{12D073FB-6D18-60C2-0F0C-1E5F1E7BE4AC}"/>
                   </a:ext>
                 </a:extLst>
               </p:cNvPr>
@@ -5261,18 +5640,18 @@
             </p:nvGrpSpPr>
             <p:grpSpPr>
               <a:xfrm>
-                <a:off x="2849311" y="747209"/>
-                <a:ext cx="7922777" cy="2380956"/>
-                <a:chOff x="1721124" y="391774"/>
-                <a:chExt cx="7528022" cy="2380956"/>
+                <a:off x="1172208" y="1253638"/>
+                <a:ext cx="8785104" cy="2175362"/>
+                <a:chOff x="1156700" y="747209"/>
+                <a:chExt cx="9615388" cy="2380956"/>
               </a:xfrm>
             </p:grpSpPr>
             <p:grpSp>
               <p:nvGrpSpPr>
-                <p:cNvPr id="90" name="Group 89">
+                <p:cNvPr id="105" name="Group 104">
                   <a:extLst>
                     <a:ext uri="{FF2B5EF4-FFF2-40B4-BE49-F238E27FC236}">
-                      <a16:creationId xmlns:a16="http://schemas.microsoft.com/office/drawing/2014/main" id="{39A7AFE8-FE99-19B5-FD9E-D7437FE70BE7}"/>
+                      <a16:creationId xmlns:a16="http://schemas.microsoft.com/office/drawing/2014/main" id="{85175276-A60D-499F-CC36-EB36E03A15C2}"/>
                     </a:ext>
                   </a:extLst>
                 </p:cNvPr>
@@ -5281,18 +5660,18 @@
               </p:nvGrpSpPr>
               <p:grpSpPr>
                 <a:xfrm>
-                  <a:off x="1721124" y="410967"/>
-                  <a:ext cx="3466534" cy="2361763"/>
-                  <a:chOff x="3688532" y="3429000"/>
-                  <a:chExt cx="3466534" cy="2361763"/>
+                  <a:off x="2849311" y="747209"/>
+                  <a:ext cx="7922777" cy="2380956"/>
+                  <a:chOff x="1721124" y="391774"/>
+                  <a:chExt cx="7528022" cy="2380956"/>
                 </a:xfrm>
               </p:grpSpPr>
               <p:grpSp>
                 <p:nvGrpSpPr>
-                  <p:cNvPr id="79" name="Group 78">
+                  <p:cNvPr id="90" name="Group 89">
                     <a:extLst>
                       <a:ext uri="{FF2B5EF4-FFF2-40B4-BE49-F238E27FC236}">
-                        <a16:creationId xmlns:a16="http://schemas.microsoft.com/office/drawing/2014/main" id="{519464F4-4AEB-5B74-B299-8DA09CC5D502}"/>
+                        <a16:creationId xmlns:a16="http://schemas.microsoft.com/office/drawing/2014/main" id="{39A7AFE8-FE99-19B5-FD9E-D7437FE70BE7}"/>
                       </a:ext>
                     </a:extLst>
                   </p:cNvPr>
@@ -5301,18 +5680,265 @@
                 </p:nvGrpSpPr>
                 <p:grpSpPr>
                   <a:xfrm>
-                    <a:off x="3688532" y="5274599"/>
-                    <a:ext cx="3466534" cy="516164"/>
-                    <a:chOff x="237210" y="5369479"/>
-                    <a:chExt cx="3466534" cy="516164"/>
+                    <a:off x="1721124" y="410967"/>
+                    <a:ext cx="3466534" cy="2361763"/>
+                    <a:chOff x="3688532" y="3429000"/>
+                    <a:chExt cx="3466534" cy="2361763"/>
                   </a:xfrm>
                 </p:grpSpPr>
+                <p:grpSp>
+                  <p:nvGrpSpPr>
+                    <p:cNvPr id="79" name="Group 78">
+                      <a:extLst>
+                        <a:ext uri="{FF2B5EF4-FFF2-40B4-BE49-F238E27FC236}">
+                          <a16:creationId xmlns:a16="http://schemas.microsoft.com/office/drawing/2014/main" id="{519464F4-4AEB-5B74-B299-8DA09CC5D502}"/>
+                        </a:ext>
+                      </a:extLst>
+                    </p:cNvPr>
+                    <p:cNvGrpSpPr/>
+                    <p:nvPr/>
+                  </p:nvGrpSpPr>
+                  <p:grpSpPr>
+                    <a:xfrm>
+                      <a:off x="3688532" y="5274599"/>
+                      <a:ext cx="3466534" cy="516164"/>
+                      <a:chOff x="237210" y="5369479"/>
+                      <a:chExt cx="3466534" cy="516164"/>
+                    </a:xfrm>
+                  </p:grpSpPr>
+                  <p:sp>
+                    <p:nvSpPr>
+                      <p:cNvPr id="59" name="TextBox 58">
+                        <a:extLst>
+                          <a:ext uri="{FF2B5EF4-FFF2-40B4-BE49-F238E27FC236}">
+                            <a16:creationId xmlns:a16="http://schemas.microsoft.com/office/drawing/2014/main" id="{25BCB253-7C3A-A2FD-CEDA-104393FFD6FB}"/>
+                          </a:ext>
+                        </a:extLst>
+                      </p:cNvPr>
+                      <p:cNvSpPr txBox="1"/>
+                      <p:nvPr/>
+                    </p:nvSpPr>
+                    <p:spPr>
+                      <a:xfrm>
+                        <a:off x="2017935" y="5380346"/>
+                        <a:ext cx="1685809" cy="505297"/>
+                      </a:xfrm>
+                      <a:prstGeom prst="rect">
+                        <a:avLst/>
+                      </a:prstGeom>
+                      <a:noFill/>
+                    </p:spPr>
+                    <p:txBody>
+                      <a:bodyPr wrap="square" rtlCol="0">
+                        <a:spAutoFit/>
+                      </a:bodyPr>
+                      <a:lstStyle/>
+                      <a:p>
+                        <a:pPr algn="ctr"/>
+                        <a:r>
+                          <a:rPr lang="en-GB" sz="2400" i="1" dirty="0"/>
+                          <a:t>Deciduous</a:t>
+                        </a:r>
+                        <a:endParaRPr lang="en-GB" i="1" dirty="0"/>
+                      </a:p>
+                    </p:txBody>
+                  </p:sp>
+                  <p:sp>
+                    <p:nvSpPr>
+                      <p:cNvPr id="60" name="TextBox 59">
+                        <a:extLst>
+                          <a:ext uri="{FF2B5EF4-FFF2-40B4-BE49-F238E27FC236}">
+                            <a16:creationId xmlns:a16="http://schemas.microsoft.com/office/drawing/2014/main" id="{26ACA40E-05CD-2E61-33AE-2B53626B8732}"/>
+                          </a:ext>
+                        </a:extLst>
+                      </p:cNvPr>
+                      <p:cNvSpPr txBox="1"/>
+                      <p:nvPr/>
+                    </p:nvSpPr>
+                    <p:spPr>
+                      <a:xfrm>
+                        <a:off x="237210" y="5369479"/>
+                        <a:ext cx="1685810" cy="475789"/>
+                      </a:xfrm>
+                      <a:prstGeom prst="rect">
+                        <a:avLst/>
+                      </a:prstGeom>
+                      <a:noFill/>
+                    </p:spPr>
+                    <p:txBody>
+                      <a:bodyPr wrap="square" rtlCol="0">
+                        <a:spAutoFit/>
+                      </a:bodyPr>
+                      <a:lstStyle/>
+                      <a:p>
+                        <a:pPr algn="ctr"/>
+                        <a:r>
+                          <a:rPr lang="en-GB" sz="2400" i="1" dirty="0"/>
+                          <a:t>Coniferous</a:t>
+                        </a:r>
+                        <a:endParaRPr lang="en-GB" i="1" dirty="0"/>
+                      </a:p>
+                    </p:txBody>
+                  </p:sp>
+                </p:grpSp>
+                <p:pic>
+                  <p:nvPicPr>
+                    <p:cNvPr id="87" name="Picture 86">
+                      <a:extLst>
+                        <a:ext uri="{FF2B5EF4-FFF2-40B4-BE49-F238E27FC236}">
+                          <a16:creationId xmlns:a16="http://schemas.microsoft.com/office/drawing/2014/main" id="{D240A47E-6CD8-9409-DE88-3B5266F70938}"/>
+                        </a:ext>
+                      </a:extLst>
+                    </p:cNvPr>
+                    <p:cNvPicPr>
+                      <a:picLocks noChangeAspect="1"/>
+                    </p:cNvPicPr>
+                    <p:nvPr/>
+                  </p:nvPicPr>
+                  <p:blipFill>
+                    <a:blip r:embed="rId8"/>
+                    <a:stretch>
+                      <a:fillRect/>
+                    </a:stretch>
+                  </p:blipFill>
+                  <p:spPr>
+                    <a:xfrm>
+                      <a:off x="3989194" y="3442347"/>
+                      <a:ext cx="1084485" cy="1800000"/>
+                    </a:xfrm>
+                    <a:prstGeom prst="rect">
+                      <a:avLst/>
+                    </a:prstGeom>
+                  </p:spPr>
+                </p:pic>
+                <p:pic>
+                  <p:nvPicPr>
+                    <p:cNvPr id="88" name="Picture 87">
+                      <a:extLst>
+                        <a:ext uri="{FF2B5EF4-FFF2-40B4-BE49-F238E27FC236}">
+                          <a16:creationId xmlns:a16="http://schemas.microsoft.com/office/drawing/2014/main" id="{08501C06-A1F1-5205-5B3B-2FA04D3752F2}"/>
+                        </a:ext>
+                      </a:extLst>
+                    </p:cNvPr>
+                    <p:cNvPicPr>
+                      <a:picLocks noChangeAspect="1"/>
+                    </p:cNvPicPr>
+                    <p:nvPr/>
+                  </p:nvPicPr>
+                  <p:blipFill rotWithShape="1">
+                    <a:blip r:embed="rId4"/>
+                    <a:srcRect t="412"/>
+                    <a:stretch/>
+                  </p:blipFill>
+                  <p:spPr>
+                    <a:xfrm>
+                      <a:off x="5664688" y="3429000"/>
+                      <a:ext cx="1103428" cy="1800000"/>
+                    </a:xfrm>
+                    <a:prstGeom prst="rect">
+                      <a:avLst/>
+                    </a:prstGeom>
+                  </p:spPr>
+                </p:pic>
+              </p:grpSp>
+              <p:grpSp>
+                <p:nvGrpSpPr>
+                  <p:cNvPr id="104" name="Group 103">
+                    <a:extLst>
+                      <a:ext uri="{FF2B5EF4-FFF2-40B4-BE49-F238E27FC236}">
+                        <a16:creationId xmlns:a16="http://schemas.microsoft.com/office/drawing/2014/main" id="{945DEC80-6231-7B7A-04B1-E786FD400A65}"/>
+                      </a:ext>
+                    </a:extLst>
+                  </p:cNvPr>
+                  <p:cNvGrpSpPr/>
+                  <p:nvPr/>
+                </p:nvGrpSpPr>
+                <p:grpSpPr>
+                  <a:xfrm>
+                    <a:off x="6220811" y="391774"/>
+                    <a:ext cx="3028335" cy="2359774"/>
+                    <a:chOff x="5749005" y="543357"/>
+                    <a:chExt cx="3028335" cy="2359774"/>
+                  </a:xfrm>
+                </p:grpSpPr>
+                <p:pic>
+                  <p:nvPicPr>
+                    <p:cNvPr id="92" name="Picture 91" descr="A cartoon of a shovel&#10;&#10;Description automatically generated">
+                      <a:extLst>
+                        <a:ext uri="{FF2B5EF4-FFF2-40B4-BE49-F238E27FC236}">
+                          <a16:creationId xmlns:a16="http://schemas.microsoft.com/office/drawing/2014/main" id="{FCE8200C-9E78-B911-8CE5-AC170C7367BA}"/>
+                        </a:ext>
+                      </a:extLst>
+                    </p:cNvPr>
+                    <p:cNvPicPr>
+                      <a:picLocks noChangeAspect="1"/>
+                    </p:cNvPicPr>
+                    <p:nvPr/>
+                  </p:nvPicPr>
+                  <p:blipFill>
+                    <a:blip r:embed="rId11">
+                      <a:extLst>
+                        <a:ext uri="{28A0092B-C50C-407E-A947-70E740481C1C}">
+                          <a14:useLocalDpi xmlns:a14="http://schemas.microsoft.com/office/drawing/2010/main" val="0"/>
+                        </a:ext>
+                      </a:extLst>
+                    </a:blip>
+                    <a:stretch>
+                      <a:fillRect/>
+                    </a:stretch>
+                  </p:blipFill>
+                  <p:spPr>
+                    <a:xfrm>
+                      <a:off x="6032938" y="543357"/>
+                      <a:ext cx="847058" cy="1800000"/>
+                    </a:xfrm>
+                    <a:prstGeom prst="rect">
+                      <a:avLst/>
+                    </a:prstGeom>
+                  </p:spPr>
+                </p:pic>
+                <p:pic>
+                  <p:nvPicPr>
+                    <p:cNvPr id="101" name="Picture 100" descr="A cartoon of a axe&#10;&#10;Description automatically generated">
+                      <a:extLst>
+                        <a:ext uri="{FF2B5EF4-FFF2-40B4-BE49-F238E27FC236}">
+                          <a16:creationId xmlns:a16="http://schemas.microsoft.com/office/drawing/2014/main" id="{CF874EDB-159D-608E-4D62-2433EE9A07C4}"/>
+                        </a:ext>
+                      </a:extLst>
+                    </p:cNvPr>
+                    <p:cNvPicPr>
+                      <a:picLocks noChangeAspect="1"/>
+                    </p:cNvPicPr>
+                    <p:nvPr/>
+                  </p:nvPicPr>
+                  <p:blipFill>
+                    <a:blip r:embed="rId12">
+                      <a:extLst>
+                        <a:ext uri="{28A0092B-C50C-407E-A947-70E740481C1C}">
+                          <a14:useLocalDpi xmlns:a14="http://schemas.microsoft.com/office/drawing/2010/main" val="0"/>
+                        </a:ext>
+                      </a:extLst>
+                    </a:blip>
+                    <a:stretch>
+                      <a:fillRect/>
+                    </a:stretch>
+                  </p:blipFill>
+                  <p:spPr>
+                    <a:xfrm>
+                      <a:off x="7434482" y="543357"/>
+                      <a:ext cx="847058" cy="1800000"/>
+                    </a:xfrm>
+                    <a:prstGeom prst="rect">
+                      <a:avLst/>
+                    </a:prstGeom>
+                  </p:spPr>
+                </p:pic>
                 <p:sp>
                   <p:nvSpPr>
-                    <p:cNvPr id="59" name="TextBox 58">
+                    <p:cNvPr id="102" name="TextBox 101">
                       <a:extLst>
                         <a:ext uri="{FF2B5EF4-FFF2-40B4-BE49-F238E27FC236}">
-                          <a16:creationId xmlns:a16="http://schemas.microsoft.com/office/drawing/2014/main" id="{25BCB253-7C3A-A2FD-CEDA-104393FFD6FB}"/>
+                          <a16:creationId xmlns:a16="http://schemas.microsoft.com/office/drawing/2014/main" id="{73A0D452-1AE3-F4F9-B40A-B72507A535FB}"/>
                         </a:ext>
                       </a:extLst>
                     </p:cNvPr>
@@ -5321,8 +5947,8 @@
                   </p:nvSpPr>
                   <p:spPr>
                     <a:xfrm>
-                      <a:off x="2017935" y="5380346"/>
-                      <a:ext cx="1685809" cy="505297"/>
+                      <a:off x="7338220" y="2430597"/>
+                      <a:ext cx="1439120" cy="472534"/>
                     </a:xfrm>
                     <a:prstGeom prst="rect">
                       <a:avLst/>
@@ -5338,7 +5964,7 @@
                       <a:pPr algn="ctr"/>
                       <a:r>
                         <a:rPr lang="en-GB" sz="2400" i="1" dirty="0"/>
-                        <a:t>Deciduous</a:t>
+                        <a:t>Fell</a:t>
                       </a:r>
                       <a:endParaRPr lang="en-GB" i="1" dirty="0"/>
                     </a:p>
@@ -5346,10 +5972,10 @@
                 </p:sp>
                 <p:sp>
                   <p:nvSpPr>
-                    <p:cNvPr id="60" name="TextBox 59">
+                    <p:cNvPr id="103" name="TextBox 102">
                       <a:extLst>
                         <a:ext uri="{FF2B5EF4-FFF2-40B4-BE49-F238E27FC236}">
-                          <a16:creationId xmlns:a16="http://schemas.microsoft.com/office/drawing/2014/main" id="{26ACA40E-05CD-2E61-33AE-2B53626B8732}"/>
+                          <a16:creationId xmlns:a16="http://schemas.microsoft.com/office/drawing/2014/main" id="{AF7D6775-B3EC-BEC9-C5BE-47FD6F35D9E1}"/>
                         </a:ext>
                       </a:extLst>
                     </p:cNvPr>
@@ -5358,8 +5984,8 @@
                   </p:nvSpPr>
                   <p:spPr>
                     <a:xfrm>
-                      <a:off x="237210" y="5369479"/>
-                      <a:ext cx="1685810" cy="475789"/>
+                      <a:off x="5749005" y="2419730"/>
+                      <a:ext cx="1439119" cy="472534"/>
                     </a:xfrm>
                     <a:prstGeom prst="rect">
                       <a:avLst/>
@@ -5375,286 +6001,97 @@
                       <a:pPr algn="ctr"/>
                       <a:r>
                         <a:rPr lang="en-GB" sz="2400" i="1" dirty="0"/>
-                        <a:t>Coniferous</a:t>
+                        <a:t>Plant</a:t>
                       </a:r>
                       <a:endParaRPr lang="en-GB" i="1" dirty="0"/>
                     </a:p>
                   </p:txBody>
                 </p:sp>
               </p:grpSp>
-              <p:pic>
-                <p:nvPicPr>
-                  <p:cNvPr id="87" name="Picture 86">
-                    <a:extLst>
-                      <a:ext uri="{FF2B5EF4-FFF2-40B4-BE49-F238E27FC236}">
-                        <a16:creationId xmlns:a16="http://schemas.microsoft.com/office/drawing/2014/main" id="{D240A47E-6CD8-9409-DE88-3B5266F70938}"/>
-                      </a:ext>
-                    </a:extLst>
-                  </p:cNvPr>
-                  <p:cNvPicPr>
-                    <a:picLocks noChangeAspect="1"/>
-                  </p:cNvPicPr>
-                  <p:nvPr/>
-                </p:nvPicPr>
-                <p:blipFill>
-                  <a:blip r:embed="rId8"/>
-                  <a:stretch>
-                    <a:fillRect/>
-                  </a:stretch>
-                </p:blipFill>
-                <p:spPr>
-                  <a:xfrm>
-                    <a:off x="3989194" y="3442347"/>
-                    <a:ext cx="1084485" cy="1800000"/>
-                  </a:xfrm>
-                  <a:prstGeom prst="rect">
-                    <a:avLst/>
-                  </a:prstGeom>
-                </p:spPr>
-              </p:pic>
-              <p:pic>
-                <p:nvPicPr>
-                  <p:cNvPr id="88" name="Picture 87">
-                    <a:extLst>
-                      <a:ext uri="{FF2B5EF4-FFF2-40B4-BE49-F238E27FC236}">
-                        <a16:creationId xmlns:a16="http://schemas.microsoft.com/office/drawing/2014/main" id="{08501C06-A1F1-5205-5B3B-2FA04D3752F2}"/>
-                      </a:ext>
-                    </a:extLst>
-                  </p:cNvPr>
-                  <p:cNvPicPr>
-                    <a:picLocks noChangeAspect="1"/>
-                  </p:cNvPicPr>
-                  <p:nvPr/>
-                </p:nvPicPr>
-                <p:blipFill rotWithShape="1">
-                  <a:blip r:embed="rId4"/>
-                  <a:srcRect t="412"/>
-                  <a:stretch/>
-                </p:blipFill>
-                <p:spPr>
-                  <a:xfrm>
-                    <a:off x="5664688" y="3429000"/>
-                    <a:ext cx="1103428" cy="1800000"/>
-                  </a:xfrm>
-                  <a:prstGeom prst="rect">
-                    <a:avLst/>
-                  </a:prstGeom>
-                </p:spPr>
-              </p:pic>
             </p:grpSp>
-            <p:grpSp>
-              <p:nvGrpSpPr>
-                <p:cNvPr id="104" name="Group 103">
+            <p:pic>
+              <p:nvPicPr>
+                <p:cNvPr id="110" name="Graphic 109" descr="Money with solid fill">
                   <a:extLst>
                     <a:ext uri="{FF2B5EF4-FFF2-40B4-BE49-F238E27FC236}">
-                      <a16:creationId xmlns:a16="http://schemas.microsoft.com/office/drawing/2014/main" id="{945DEC80-6231-7B7A-04B1-E786FD400A65}"/>
+                      <a16:creationId xmlns:a16="http://schemas.microsoft.com/office/drawing/2014/main" id="{72FF1CB0-1F79-87BB-1D9F-F6076C911EB6}"/>
                     </a:ext>
                   </a:extLst>
                 </p:cNvPr>
-                <p:cNvGrpSpPr/>
+                <p:cNvPicPr>
+                  <a:picLocks noChangeAspect="1"/>
+                </p:cNvPicPr>
                 <p:nvPr/>
-              </p:nvGrpSpPr>
-              <p:grpSpPr>
+              </p:nvPicPr>
+              <p:blipFill>
+                <a:blip r:embed="rId13">
+                  <a:extLst>
+                    <a:ext uri="{28A0092B-C50C-407E-A947-70E740481C1C}">
+                      <a14:useLocalDpi xmlns:a14="http://schemas.microsoft.com/office/drawing/2010/main" val="0"/>
+                    </a:ext>
+                    <a:ext uri="{96DAC541-7B7A-43D3-8B79-37D633B846F1}">
+                      <asvg:svgBlip xmlns:asvg="http://schemas.microsoft.com/office/drawing/2016/SVG/main" r:embed="rId14"/>
+                    </a:ext>
+                  </a:extLst>
+                </a:blip>
+                <a:stretch>
+                  <a:fillRect/>
+                </a:stretch>
+              </p:blipFill>
+              <p:spPr>
                 <a:xfrm>
-                  <a:off x="6220811" y="391774"/>
-                  <a:ext cx="3028335" cy="2359774"/>
-                  <a:chOff x="5749005" y="543357"/>
-                  <a:chExt cx="3028335" cy="2359774"/>
+                  <a:off x="1376042" y="1287342"/>
+                  <a:ext cx="1335527" cy="1335527"/>
                 </a:xfrm>
-              </p:grpSpPr>
-              <p:pic>
-                <p:nvPicPr>
-                  <p:cNvPr id="92" name="Picture 91" descr="A cartoon of a shovel&#10;&#10;Description automatically generated">
-                    <a:extLst>
-                      <a:ext uri="{FF2B5EF4-FFF2-40B4-BE49-F238E27FC236}">
-                        <a16:creationId xmlns:a16="http://schemas.microsoft.com/office/drawing/2014/main" id="{FCE8200C-9E78-B911-8CE5-AC170C7367BA}"/>
-                      </a:ext>
-                    </a:extLst>
-                  </p:cNvPr>
-                  <p:cNvPicPr>
-                    <a:picLocks noChangeAspect="1"/>
-                  </p:cNvPicPr>
-                  <p:nvPr/>
-                </p:nvPicPr>
-                <p:blipFill>
-                  <a:blip r:embed="rId11">
-                    <a:extLst>
-                      <a:ext uri="{28A0092B-C50C-407E-A947-70E740481C1C}">
-                        <a14:useLocalDpi xmlns:a14="http://schemas.microsoft.com/office/drawing/2010/main" val="0"/>
-                      </a:ext>
-                    </a:extLst>
-                  </a:blip>
-                  <a:stretch>
-                    <a:fillRect/>
-                  </a:stretch>
-                </p:blipFill>
-                <p:spPr>
-                  <a:xfrm>
-                    <a:off x="6032938" y="543357"/>
-                    <a:ext cx="847058" cy="1800000"/>
-                  </a:xfrm>
-                  <a:prstGeom prst="rect">
-                    <a:avLst/>
-                  </a:prstGeom>
-                </p:spPr>
-              </p:pic>
-              <p:pic>
-                <p:nvPicPr>
-                  <p:cNvPr id="101" name="Picture 100" descr="A cartoon of a axe&#10;&#10;Description automatically generated">
-                    <a:extLst>
-                      <a:ext uri="{FF2B5EF4-FFF2-40B4-BE49-F238E27FC236}">
-                        <a16:creationId xmlns:a16="http://schemas.microsoft.com/office/drawing/2014/main" id="{CF874EDB-159D-608E-4D62-2433EE9A07C4}"/>
-                      </a:ext>
-                    </a:extLst>
-                  </p:cNvPr>
-                  <p:cNvPicPr>
-                    <a:picLocks noChangeAspect="1"/>
-                  </p:cNvPicPr>
-                  <p:nvPr/>
-                </p:nvPicPr>
-                <p:blipFill>
-                  <a:blip r:embed="rId12">
-                    <a:extLst>
-                      <a:ext uri="{28A0092B-C50C-407E-A947-70E740481C1C}">
-                        <a14:useLocalDpi xmlns:a14="http://schemas.microsoft.com/office/drawing/2010/main" val="0"/>
-                      </a:ext>
-                    </a:extLst>
-                  </a:blip>
-                  <a:stretch>
-                    <a:fillRect/>
-                  </a:stretch>
-                </p:blipFill>
-                <p:spPr>
-                  <a:xfrm>
-                    <a:off x="7434482" y="543357"/>
-                    <a:ext cx="847058" cy="1800000"/>
-                  </a:xfrm>
-                  <a:prstGeom prst="rect">
-                    <a:avLst/>
-                  </a:prstGeom>
-                </p:spPr>
-              </p:pic>
-              <p:sp>
-                <p:nvSpPr>
-                  <p:cNvPr id="102" name="TextBox 101">
-                    <a:extLst>
-                      <a:ext uri="{FF2B5EF4-FFF2-40B4-BE49-F238E27FC236}">
-                        <a16:creationId xmlns:a16="http://schemas.microsoft.com/office/drawing/2014/main" id="{73A0D452-1AE3-F4F9-B40A-B72507A535FB}"/>
-                      </a:ext>
-                    </a:extLst>
-                  </p:cNvPr>
-                  <p:cNvSpPr txBox="1"/>
-                  <p:nvPr/>
-                </p:nvSpPr>
-                <p:spPr>
-                  <a:xfrm>
-                    <a:off x="7338220" y="2430597"/>
-                    <a:ext cx="1439120" cy="472534"/>
-                  </a:xfrm>
-                  <a:prstGeom prst="rect">
-                    <a:avLst/>
-                  </a:prstGeom>
-                  <a:noFill/>
-                </p:spPr>
-                <p:txBody>
-                  <a:bodyPr wrap="square" rtlCol="0">
-                    <a:spAutoFit/>
-                  </a:bodyPr>
-                  <a:lstStyle/>
-                  <a:p>
-                    <a:pPr algn="ctr"/>
-                    <a:r>
-                      <a:rPr lang="en-GB" sz="2400" i="1" dirty="0"/>
-                      <a:t>Fell</a:t>
-                    </a:r>
-                    <a:endParaRPr lang="en-GB" i="1" dirty="0"/>
-                  </a:p>
-                </p:txBody>
-              </p:sp>
-              <p:sp>
-                <p:nvSpPr>
-                  <p:cNvPr id="103" name="TextBox 102">
-                    <a:extLst>
-                      <a:ext uri="{FF2B5EF4-FFF2-40B4-BE49-F238E27FC236}">
-                        <a16:creationId xmlns:a16="http://schemas.microsoft.com/office/drawing/2014/main" id="{AF7D6775-B3EC-BEC9-C5BE-47FD6F35D9E1}"/>
-                      </a:ext>
-                    </a:extLst>
-                  </p:cNvPr>
-                  <p:cNvSpPr txBox="1"/>
-                  <p:nvPr/>
-                </p:nvSpPr>
-                <p:spPr>
-                  <a:xfrm>
-                    <a:off x="5749005" y="2419730"/>
-                    <a:ext cx="1439119" cy="472534"/>
-                  </a:xfrm>
-                  <a:prstGeom prst="rect">
-                    <a:avLst/>
-                  </a:prstGeom>
-                  <a:noFill/>
-                </p:spPr>
-                <p:txBody>
-                  <a:bodyPr wrap="square" rtlCol="0">
-                    <a:spAutoFit/>
-                  </a:bodyPr>
-                  <a:lstStyle/>
-                  <a:p>
-                    <a:pPr algn="ctr"/>
-                    <a:r>
-                      <a:rPr lang="en-GB" sz="2400" i="1" dirty="0"/>
-                      <a:t>Plant</a:t>
-                    </a:r>
-                    <a:endParaRPr lang="en-GB" i="1" dirty="0"/>
-                  </a:p>
-                </p:txBody>
-              </p:sp>
-            </p:grpSp>
+                <a:prstGeom prst="rect">
+                  <a:avLst/>
+                </a:prstGeom>
+              </p:spPr>
+            </p:pic>
+            <p:sp>
+              <p:nvSpPr>
+                <p:cNvPr id="111" name="TextBox 110">
+                  <a:extLst>
+                    <a:ext uri="{FF2B5EF4-FFF2-40B4-BE49-F238E27FC236}">
+                      <a16:creationId xmlns:a16="http://schemas.microsoft.com/office/drawing/2014/main" id="{EB11D362-47E8-1193-C339-03FA16CD0C48}"/>
+                    </a:ext>
+                  </a:extLst>
+                </p:cNvPr>
+                <p:cNvSpPr txBox="1"/>
+                <p:nvPr/>
+              </p:nvSpPr>
+              <p:spPr>
+                <a:xfrm>
+                  <a:off x="1156700" y="2620327"/>
+                  <a:ext cx="1774210" cy="475789"/>
+                </a:xfrm>
+                <a:prstGeom prst="rect">
+                  <a:avLst/>
+                </a:prstGeom>
+                <a:noFill/>
+              </p:spPr>
+              <p:txBody>
+                <a:bodyPr wrap="square" rtlCol="0">
+                  <a:spAutoFit/>
+                </a:bodyPr>
+                <a:lstStyle/>
+                <a:p>
+                  <a:pPr algn="ctr"/>
+                  <a:r>
+                    <a:rPr lang="en-GB" sz="2400" i="1" dirty="0"/>
+                    <a:t>Funds</a:t>
+                  </a:r>
+                  <a:endParaRPr lang="en-GB" i="1" dirty="0"/>
+                </a:p>
+              </p:txBody>
+            </p:sp>
           </p:grpSp>
-          <p:pic>
-            <p:nvPicPr>
-              <p:cNvPr id="110" name="Graphic 109" descr="Money with solid fill">
+          <p:sp>
+            <p:nvSpPr>
+              <p:cNvPr id="113" name="TextBox 112">
                 <a:extLst>
                   <a:ext uri="{FF2B5EF4-FFF2-40B4-BE49-F238E27FC236}">
-                    <a16:creationId xmlns:a16="http://schemas.microsoft.com/office/drawing/2014/main" id="{72FF1CB0-1F79-87BB-1D9F-F6076C911EB6}"/>
-                  </a:ext>
-                </a:extLst>
-              </p:cNvPr>
-              <p:cNvPicPr>
-                <a:picLocks noChangeAspect="1"/>
-              </p:cNvPicPr>
-              <p:nvPr/>
-            </p:nvPicPr>
-            <p:blipFill>
-              <a:blip r:embed="rId13">
-                <a:extLst>
-                  <a:ext uri="{28A0092B-C50C-407E-A947-70E740481C1C}">
-                    <a14:useLocalDpi xmlns:a14="http://schemas.microsoft.com/office/drawing/2010/main" val="0"/>
-                  </a:ext>
-                  <a:ext uri="{96DAC541-7B7A-43D3-8B79-37D633B846F1}">
-                    <asvg:svgBlip xmlns:asvg="http://schemas.microsoft.com/office/drawing/2016/SVG/main" r:embed="rId14"/>
-                  </a:ext>
-                </a:extLst>
-              </a:blip>
-              <a:stretch>
-                <a:fillRect/>
-              </a:stretch>
-            </p:blipFill>
-            <p:spPr>
-              <a:xfrm>
-                <a:off x="1376042" y="1287342"/>
-                <a:ext cx="1335527" cy="1335527"/>
-              </a:xfrm>
-              <a:prstGeom prst="rect">
-                <a:avLst/>
-              </a:prstGeom>
-            </p:spPr>
-          </p:pic>
-          <p:sp>
-            <p:nvSpPr>
-              <p:cNvPr id="111" name="TextBox 110">
-                <a:extLst>
-                  <a:ext uri="{FF2B5EF4-FFF2-40B4-BE49-F238E27FC236}">
-                    <a16:creationId xmlns:a16="http://schemas.microsoft.com/office/drawing/2014/main" id="{EB11D362-47E8-1193-C339-03FA16CD0C48}"/>
+                    <a16:creationId xmlns:a16="http://schemas.microsoft.com/office/drawing/2014/main" id="{A15B57EA-7A87-CDEF-4A44-05EB11F6D9AB}"/>
                   </a:ext>
                 </a:extLst>
               </p:cNvPr>
@@ -5663,8 +6100,8 @@
             </p:nvSpPr>
             <p:spPr>
               <a:xfrm>
-                <a:off x="1156700" y="2620327"/>
-                <a:ext cx="1774210" cy="475789"/>
+                <a:off x="8573511" y="185617"/>
+                <a:ext cx="1601340" cy="523220"/>
               </a:xfrm>
               <a:prstGeom prst="rect">
                 <a:avLst/>
@@ -5672,27 +6109,150 @@
               <a:noFill/>
             </p:spPr>
             <p:txBody>
-              <a:bodyPr wrap="square" rtlCol="0">
+              <a:bodyPr wrap="square" anchor="t">
                 <a:spAutoFit/>
               </a:bodyPr>
               <a:lstStyle/>
               <a:p>
                 <a:pPr algn="ctr"/>
                 <a:r>
-                  <a:rPr lang="en-GB" sz="2400" i="1" dirty="0"/>
-                  <a:t>Funds</a:t>
+                  <a:rPr lang="en-GB" sz="2800" b="1" u="none" strike="noStrike" baseline="0" dirty="0">
+                    <a:solidFill>
+                      <a:schemeClr val="accent2"/>
+                    </a:solidFill>
+                    <a:latin typeface="Arial Rounded MT Bold" panose="020F0704030504030204" pitchFamily="34" charset="0"/>
+                  </a:rPr>
+                  <a:t>Actions</a:t>
                 </a:r>
-                <a:endParaRPr lang="en-GB" i="1" dirty="0"/>
+                <a:endParaRPr lang="en-US" sz="23900" b="1" dirty="0">
+                  <a:solidFill>
+                    <a:schemeClr val="accent2"/>
+                  </a:solidFill>
+                  <a:latin typeface="Arial Rounded MT Bold" panose="020F0704030504030204" pitchFamily="34" charset="0"/>
+                </a:endParaRPr>
+              </a:p>
+            </p:txBody>
+          </p:sp>
+          <p:sp>
+            <p:nvSpPr>
+              <p:cNvPr id="114" name="Rectangle: Rounded Corners 113">
+                <a:extLst>
+                  <a:ext uri="{FF2B5EF4-FFF2-40B4-BE49-F238E27FC236}">
+                    <a16:creationId xmlns:a16="http://schemas.microsoft.com/office/drawing/2014/main" id="{0EBBEF89-0E68-544E-03F9-32F14469917B}"/>
+                  </a:ext>
+                </a:extLst>
+              </p:cNvPr>
+              <p:cNvSpPr/>
+              <p:nvPr/>
+            </p:nvSpPr>
+            <p:spPr>
+              <a:xfrm>
+                <a:off x="-1143936" y="927385"/>
+                <a:ext cx="7489266" cy="2763411"/>
+              </a:xfrm>
+              <a:prstGeom prst="roundRect">
+                <a:avLst/>
+              </a:prstGeom>
+              <a:noFill/>
+              <a:ln w="76200">
+                <a:solidFill>
+                  <a:schemeClr val="accent5">
+                    <a:lumMod val="60000"/>
+                    <a:lumOff val="40000"/>
+                  </a:schemeClr>
+                </a:solidFill>
+                <a:prstDash val="dash"/>
+              </a:ln>
+            </p:spPr>
+            <p:style>
+              <a:lnRef idx="2">
+                <a:schemeClr val="accent1">
+                  <a:shade val="15000"/>
+                </a:schemeClr>
+              </a:lnRef>
+              <a:fillRef idx="1">
+                <a:schemeClr val="accent1"/>
+              </a:fillRef>
+              <a:effectRef idx="0">
+                <a:schemeClr val="accent1"/>
+              </a:effectRef>
+              <a:fontRef idx="minor">
+                <a:schemeClr val="lt1"/>
+              </a:fontRef>
+            </p:style>
+            <p:txBody>
+              <a:bodyPr rtlCol="0" anchor="ctr"/>
+              <a:lstStyle/>
+              <a:p>
+                <a:pPr algn="ctr"/>
+                <a:endParaRPr lang="en-US"/>
+              </a:p>
+            </p:txBody>
+          </p:sp>
+          <p:sp>
+            <p:nvSpPr>
+              <p:cNvPr id="115" name="Rectangle: Rounded Corners 114">
+                <a:extLst>
+                  <a:ext uri="{FF2B5EF4-FFF2-40B4-BE49-F238E27FC236}">
+                    <a16:creationId xmlns:a16="http://schemas.microsoft.com/office/drawing/2014/main" id="{663FF967-BCE4-FF53-8879-B7AB69EA4352}"/>
+                  </a:ext>
+                </a:extLst>
+              </p:cNvPr>
+              <p:cNvSpPr/>
+              <p:nvPr/>
+            </p:nvSpPr>
+            <p:spPr>
+              <a:xfrm>
+                <a:off x="6760283" y="935762"/>
+                <a:ext cx="3220117" cy="2763411"/>
+              </a:xfrm>
+              <a:prstGeom prst="roundRect">
+                <a:avLst/>
+              </a:prstGeom>
+              <a:noFill/>
+              <a:ln w="76200">
+                <a:solidFill>
+                  <a:schemeClr val="accent2"/>
+                </a:solidFill>
+                <a:prstDash val="dash"/>
+              </a:ln>
+            </p:spPr>
+            <p:style>
+              <a:lnRef idx="2">
+                <a:schemeClr val="accent1">
+                  <a:shade val="15000"/>
+                </a:schemeClr>
+              </a:lnRef>
+              <a:fillRef idx="1">
+                <a:schemeClr val="accent1"/>
+              </a:fillRef>
+              <a:effectRef idx="0">
+                <a:schemeClr val="accent1"/>
+              </a:effectRef>
+              <a:fontRef idx="minor">
+                <a:schemeClr val="lt1"/>
+              </a:fontRef>
+            </p:style>
+            <p:txBody>
+              <a:bodyPr rtlCol="0" anchor="ctr"/>
+              <a:lstStyle/>
+              <a:p>
+                <a:pPr algn="ctr"/>
+                <a:endParaRPr lang="en-US">
+                  <a:solidFill>
+                    <a:schemeClr val="accent2"/>
+                  </a:solidFill>
+                </a:endParaRPr>
               </a:p>
             </p:txBody>
           </p:sp>
         </p:grpSp>
         <p:sp>
           <p:nvSpPr>
-            <p:cNvPr id="113" name="TextBox 112">
+            <p:cNvPr id="3" name="TextBox 2">
               <a:extLst>
                 <a:ext uri="{FF2B5EF4-FFF2-40B4-BE49-F238E27FC236}">
-                  <a16:creationId xmlns:a16="http://schemas.microsoft.com/office/drawing/2014/main" id="{A15B57EA-7A87-CDEF-4A44-05EB11F6D9AB}"/>
+                  <a16:creationId xmlns:a16="http://schemas.microsoft.com/office/drawing/2014/main" id="{E95E6B60-37FD-3B9E-9062-1C578DC73F5A}"/>
                 </a:ext>
               </a:extLst>
             </p:cNvPr>
@@ -5701,8 +6261,8 @@
           </p:nvSpPr>
           <p:spPr>
             <a:xfrm>
-              <a:off x="8573511" y="185617"/>
-              <a:ext cx="1601340" cy="523220"/>
+              <a:off x="188313" y="2638890"/>
+              <a:ext cx="2485922" cy="830997"/>
             </a:xfrm>
             <a:prstGeom prst="rect">
               <a:avLst/>
@@ -5710,143 +6270,59 @@
             <a:noFill/>
           </p:spPr>
           <p:txBody>
-            <a:bodyPr wrap="square" anchor="t">
+            <a:bodyPr wrap="square" rtlCol="0">
               <a:spAutoFit/>
             </a:bodyPr>
             <a:lstStyle/>
             <a:p>
               <a:pPr algn="ctr"/>
               <a:r>
-                <a:rPr lang="en-GB" sz="2800" b="1" u="none" strike="noStrike" baseline="0" dirty="0">
-                  <a:solidFill>
-                    <a:schemeClr val="accent2"/>
-                  </a:solidFill>
-                  <a:latin typeface="Arial Rounded MT Bold" panose="020F0704030504030204" pitchFamily="34" charset="0"/>
-                </a:rPr>
-                <a:t>Actions</a:t>
+                <a:rPr lang="en-GB" sz="2400" i="1" dirty="0"/>
+                <a:t>Non-Timber Income Streams</a:t>
               </a:r>
-              <a:endParaRPr lang="en-US" sz="23900" b="1" dirty="0">
-                <a:solidFill>
-                  <a:schemeClr val="accent2"/>
-                </a:solidFill>
-                <a:latin typeface="Arial Rounded MT Bold" panose="020F0704030504030204" pitchFamily="34" charset="0"/>
-              </a:endParaRPr>
+              <a:endParaRPr lang="en-GB" i="1" dirty="0"/>
             </a:p>
           </p:txBody>
         </p:sp>
-        <p:sp>
-          <p:nvSpPr>
-            <p:cNvPr id="114" name="Rectangle: Rounded Corners 113">
+        <p:pic>
+          <p:nvPicPr>
+            <p:cNvPr id="5" name="Graphic 4" descr="Beehive with solid fill">
               <a:extLst>
                 <a:ext uri="{FF2B5EF4-FFF2-40B4-BE49-F238E27FC236}">
-                  <a16:creationId xmlns:a16="http://schemas.microsoft.com/office/drawing/2014/main" id="{0EBBEF89-0E68-544E-03F9-32F14469917B}"/>
+                  <a16:creationId xmlns:a16="http://schemas.microsoft.com/office/drawing/2014/main" id="{988A6875-5F68-7676-2F4B-33A837953D35}"/>
                 </a:ext>
               </a:extLst>
             </p:cNvPr>
-            <p:cNvSpPr/>
+            <p:cNvPicPr>
+              <a:picLocks noChangeAspect="1"/>
+            </p:cNvPicPr>
             <p:nvPr/>
-          </p:nvSpPr>
+          </p:nvPicPr>
+          <p:blipFill>
+            <a:blip r:embed="rId15">
+              <a:extLst>
+                <a:ext uri="{28A0092B-C50C-407E-A947-70E740481C1C}">
+                  <a14:useLocalDpi xmlns:a14="http://schemas.microsoft.com/office/drawing/2010/main" val="0"/>
+                </a:ext>
+                <a:ext uri="{96DAC541-7B7A-43D3-8B79-37D633B846F1}">
+                  <asvg:svgBlip xmlns:asvg="http://schemas.microsoft.com/office/drawing/2016/SVG/main" r:embed="rId16"/>
+                </a:ext>
+              </a:extLst>
+            </a:blip>
+            <a:stretch>
+              <a:fillRect/>
+            </a:stretch>
+          </p:blipFill>
           <p:spPr>
             <a:xfrm>
-              <a:off x="795868" y="927385"/>
-              <a:ext cx="5549462" cy="2763411"/>
+              <a:off x="730135" y="1429308"/>
+              <a:ext cx="1220205" cy="1220205"/>
             </a:xfrm>
-            <a:prstGeom prst="roundRect">
+            <a:prstGeom prst="rect">
               <a:avLst/>
             </a:prstGeom>
-            <a:noFill/>
-            <a:ln w="76200">
-              <a:solidFill>
-                <a:schemeClr val="accent5">
-                  <a:lumMod val="60000"/>
-                  <a:lumOff val="40000"/>
-                </a:schemeClr>
-              </a:solidFill>
-              <a:prstDash val="dash"/>
-            </a:ln>
           </p:spPr>
-          <p:style>
-            <a:lnRef idx="2">
-              <a:schemeClr val="accent1">
-                <a:shade val="15000"/>
-              </a:schemeClr>
-            </a:lnRef>
-            <a:fillRef idx="1">
-              <a:schemeClr val="accent1"/>
-            </a:fillRef>
-            <a:effectRef idx="0">
-              <a:schemeClr val="accent1"/>
-            </a:effectRef>
-            <a:fontRef idx="minor">
-              <a:schemeClr val="lt1"/>
-            </a:fontRef>
-          </p:style>
-          <p:txBody>
-            <a:bodyPr rtlCol="0" anchor="ctr"/>
-            <a:lstStyle/>
-            <a:p>
-              <a:pPr algn="ctr"/>
-              <a:endParaRPr lang="en-US"/>
-            </a:p>
-          </p:txBody>
-        </p:sp>
-        <p:sp>
-          <p:nvSpPr>
-            <p:cNvPr id="115" name="Rectangle: Rounded Corners 114">
-              <a:extLst>
-                <a:ext uri="{FF2B5EF4-FFF2-40B4-BE49-F238E27FC236}">
-                  <a16:creationId xmlns:a16="http://schemas.microsoft.com/office/drawing/2014/main" id="{663FF967-BCE4-FF53-8879-B7AB69EA4352}"/>
-                </a:ext>
-              </a:extLst>
-            </p:cNvPr>
-            <p:cNvSpPr/>
-            <p:nvPr/>
-          </p:nvSpPr>
-          <p:spPr>
-            <a:xfrm>
-              <a:off x="6760283" y="935762"/>
-              <a:ext cx="3220117" cy="2763411"/>
-            </a:xfrm>
-            <a:prstGeom prst="roundRect">
-              <a:avLst/>
-            </a:prstGeom>
-            <a:noFill/>
-            <a:ln w="76200">
-              <a:solidFill>
-                <a:schemeClr val="accent2"/>
-              </a:solidFill>
-              <a:prstDash val="dash"/>
-            </a:ln>
-          </p:spPr>
-          <p:style>
-            <a:lnRef idx="2">
-              <a:schemeClr val="accent1">
-                <a:shade val="15000"/>
-              </a:schemeClr>
-            </a:lnRef>
-            <a:fillRef idx="1">
-              <a:schemeClr val="accent1"/>
-            </a:fillRef>
-            <a:effectRef idx="0">
-              <a:schemeClr val="accent1"/>
-            </a:effectRef>
-            <a:fontRef idx="minor">
-              <a:schemeClr val="lt1"/>
-            </a:fontRef>
-          </p:style>
-          <p:txBody>
-            <a:bodyPr rtlCol="0" anchor="ctr"/>
-            <a:lstStyle/>
-            <a:p>
-              <a:pPr algn="ctr"/>
-              <a:endParaRPr lang="en-US">
-                <a:solidFill>
-                  <a:schemeClr val="accent2"/>
-                </a:solidFill>
-              </a:endParaRPr>
-            </a:p>
-          </p:txBody>
-        </p:sp>
+        </p:pic>
       </p:grpSp>
     </p:spTree>
     <p:extLst>
@@ -5861,7 +6337,7 @@
 </p:sld>
 </file>
 
-<file path=ppt/slides/slide4.xml><?xml version="1.0" encoding="utf-8"?>
+<file path=ppt/slides/slide5.xml><?xml version="1.0" encoding="utf-8"?>
 <p:sld xmlns:a="http://schemas.openxmlformats.org/drawingml/2006/main" xmlns:r="http://schemas.openxmlformats.org/officeDocument/2006/relationships" xmlns:p="http://schemas.openxmlformats.org/presentationml/2006/main">
   <p:cSld>
     <p:spTree>
@@ -6354,7 +6830,7 @@
 </p:sld>
 </file>
 
-<file path=ppt/slides/slide5.xml><?xml version="1.0" encoding="utf-8"?>
+<file path=ppt/slides/slide6.xml><?xml version="1.0" encoding="utf-8"?>
 <p:sld xmlns:a="http://schemas.openxmlformats.org/drawingml/2006/main" xmlns:r="http://schemas.openxmlformats.org/officeDocument/2006/relationships" xmlns:p="http://schemas.openxmlformats.org/presentationml/2006/main">
   <p:cSld>
     <p:spTree>
@@ -6689,7 +7165,7 @@
 </p:sld>
 </file>
 
-<file path=ppt/slides/slide6.xml><?xml version="1.0" encoding="utf-8"?>
+<file path=ppt/slides/slide7.xml><?xml version="1.0" encoding="utf-8"?>
 <p:sld xmlns:a="http://schemas.openxmlformats.org/drawingml/2006/main" xmlns:r="http://schemas.openxmlformats.org/officeDocument/2006/relationships" xmlns:p="http://schemas.openxmlformats.org/presentationml/2006/main">
   <p:cSld>
     <p:spTree>
@@ -8212,7 +8688,7 @@
 </p:sld>
 </file>
 
-<file path=ppt/slides/slide7.xml><?xml version="1.0" encoding="utf-8"?>
+<file path=ppt/slides/slide8.xml><?xml version="1.0" encoding="utf-8"?>
 <p:sld xmlns:a="http://schemas.openxmlformats.org/drawingml/2006/main" xmlns:r="http://schemas.openxmlformats.org/officeDocument/2006/relationships" xmlns:p="http://schemas.openxmlformats.org/presentationml/2006/main">
   <p:cSld>
     <p:spTree>
@@ -8272,7 +8748,7 @@
         </p:nvGrpSpPr>
         <p:grpSpPr>
           <a:xfrm>
-            <a:off x="4001172" y="276854"/>
+            <a:off x="4001172" y="287364"/>
             <a:ext cx="4189656" cy="5431933"/>
             <a:chOff x="4001085" y="1185704"/>
             <a:chExt cx="4189656" cy="5431933"/>
@@ -8948,7 +9424,7 @@
 </p:sld>
 </file>
 
-<file path=ppt/slides/slide8.xml><?xml version="1.0" encoding="utf-8"?>
+<file path=ppt/slides/slide9.xml><?xml version="1.0" encoding="utf-8"?>
 <p:sld xmlns:a="http://schemas.openxmlformats.org/drawingml/2006/main" xmlns:r="http://schemas.openxmlformats.org/officeDocument/2006/relationships" xmlns:p="http://schemas.openxmlformats.org/presentationml/2006/main">
   <p:cSld>
     <p:spTree>
@@ -8970,7 +9446,7 @@
           <p:cNvPr id="2" name="TextBox 1">
             <a:extLst>
               <a:ext uri="{FF2B5EF4-FFF2-40B4-BE49-F238E27FC236}">
-                <a16:creationId xmlns:a16="http://schemas.microsoft.com/office/drawing/2014/main" id="{327F3B3B-4CD4-440E-27F9-3615C5EB5012}"/>
+                <a16:creationId xmlns:a16="http://schemas.microsoft.com/office/drawing/2014/main" id="{B02A53A9-A5A6-4A24-54F1-B380AF1FEFE3}"/>
               </a:ext>
             </a:extLst>
           </p:cNvPr>
@@ -8997,18 +9473,18 @@
             <a:r>
               <a:rPr lang="en-GB" sz="7200" b="1" u="none" strike="noStrike" baseline="0" dirty="0">
                 <a:solidFill>
-                  <a:schemeClr val="accent6">
-                    <a:lumMod val="75000"/>
+                  <a:schemeClr val="bg1">
+                    <a:lumMod val="50000"/>
                   </a:schemeClr>
                 </a:solidFill>
                 <a:latin typeface="Arial Rounded MT Bold" panose="020F0704030504030204" pitchFamily="34" charset="0"/>
               </a:rPr>
-              <a:t>The Learning</a:t>
+              <a:t>The Model</a:t>
             </a:r>
             <a:endParaRPr lang="en-US" sz="23900" b="1" dirty="0">
               <a:solidFill>
-                <a:schemeClr val="accent6">
-                  <a:lumMod val="75000"/>
+                <a:schemeClr val="bg1">
+                  <a:lumMod val="50000"/>
                 </a:schemeClr>
               </a:solidFill>
               <a:latin typeface="Arial Rounded MT Bold" panose="020F0704030504030204" pitchFamily="34" charset="0"/>
@@ -9019,390 +9495,7 @@
     </p:spTree>
     <p:extLst>
       <p:ext uri="{BB962C8B-B14F-4D97-AF65-F5344CB8AC3E}">
-        <p14:creationId xmlns:p14="http://schemas.microsoft.com/office/powerpoint/2010/main" val="504027161"/>
-      </p:ext>
-    </p:extLst>
-  </p:cSld>
-  <p:clrMapOvr>
-    <a:masterClrMapping/>
-  </p:clrMapOvr>
-</p:sld>
-</file>
-
-<file path=ppt/slides/slide9.xml><?xml version="1.0" encoding="utf-8"?>
-<p:sld xmlns:a="http://schemas.openxmlformats.org/drawingml/2006/main" xmlns:r="http://schemas.openxmlformats.org/officeDocument/2006/relationships" xmlns:p="http://schemas.openxmlformats.org/presentationml/2006/main">
-  <p:cSld>
-    <p:spTree>
-      <p:nvGrpSpPr>
-        <p:cNvPr id="1" name=""/>
-        <p:cNvGrpSpPr/>
-        <p:nvPr/>
-      </p:nvGrpSpPr>
-      <p:grpSpPr>
-        <a:xfrm>
-          <a:off x="0" y="0"/>
-          <a:ext cx="0" cy="0"/>
-          <a:chOff x="0" y="0"/>
-          <a:chExt cx="0" cy="0"/>
-        </a:xfrm>
-      </p:grpSpPr>
-      <p:sp>
-        <p:nvSpPr>
-          <p:cNvPr id="3" name="TextBox 2">
-            <a:extLst>
-              <a:ext uri="{FF2B5EF4-FFF2-40B4-BE49-F238E27FC236}">
-                <a16:creationId xmlns:a16="http://schemas.microsoft.com/office/drawing/2014/main" id="{39DC24E8-CF14-7213-4D98-8E35D0EC9C4D}"/>
-              </a:ext>
-            </a:extLst>
-          </p:cNvPr>
-          <p:cNvSpPr txBox="1"/>
-          <p:nvPr/>
-        </p:nvSpPr>
-        <p:spPr>
-          <a:xfrm>
-            <a:off x="430923" y="887793"/>
-            <a:ext cx="11298622" cy="1815882"/>
-          </a:xfrm>
-          <a:prstGeom prst="rect">
-            <a:avLst/>
-          </a:prstGeom>
-          <a:noFill/>
-        </p:spPr>
-        <p:txBody>
-          <a:bodyPr wrap="square" rtlCol="0">
-            <a:spAutoFit/>
-          </a:bodyPr>
-          <a:lstStyle/>
-          <a:p>
-            <a:pPr marL="514350" indent="-514350">
-              <a:buAutoNum type="arabicPeriod"/>
-            </a:pPr>
-            <a:r>
-              <a:rPr lang="en-GB" sz="3200" dirty="0">
-                <a:solidFill>
-                  <a:schemeClr val="accent6"/>
-                </a:solidFill>
-                <a:latin typeface="Arial Rounded MT Bold" panose="020F0704030504030204" pitchFamily="34" charset="0"/>
-              </a:rPr>
-              <a:t>Set as low of a CO2 threshold as possible.</a:t>
-            </a:r>
-          </a:p>
-          <a:p>
-            <a:pPr marL="342900" indent="-342900">
-              <a:buFont typeface="Wingdings" panose="05000000000000000000" pitchFamily="2" charset="2"/>
-              <a:buChar char="Ø"/>
-            </a:pPr>
-            <a:r>
-              <a:rPr lang="en-GB" sz="2000" dirty="0">
-                <a:solidFill>
-                  <a:schemeClr val="accent6">
-                    <a:lumMod val="75000"/>
-                  </a:schemeClr>
-                </a:solidFill>
-                <a:latin typeface="Arial Rounded MT Bold" panose="020F0704030504030204" pitchFamily="34" charset="0"/>
-              </a:rPr>
-              <a:t>Biodiversity is proportional to CO2 sequestered (build an ecosystem, not a plantation).</a:t>
-            </a:r>
-          </a:p>
-          <a:p>
-            <a:pPr marL="342900" indent="-342900">
-              <a:buFont typeface="Wingdings" panose="05000000000000000000" pitchFamily="2" charset="2"/>
-              <a:buChar char="Ø"/>
-            </a:pPr>
-            <a:r>
-              <a:rPr lang="en-GB" sz="2000" dirty="0">
-                <a:solidFill>
-                  <a:schemeClr val="accent6">
-                    <a:lumMod val="75000"/>
-                  </a:schemeClr>
-                </a:solidFill>
-                <a:latin typeface="Arial Rounded MT Bold" panose="020F0704030504030204" pitchFamily="34" charset="0"/>
-              </a:rPr>
-              <a:t>Preserve old growth.</a:t>
-            </a:r>
-          </a:p>
-          <a:p>
-            <a:pPr marL="342900" indent="-342900">
-              <a:buFont typeface="Wingdings" panose="05000000000000000000" pitchFamily="2" charset="2"/>
-              <a:buChar char="Ø"/>
-            </a:pPr>
-            <a:r>
-              <a:rPr lang="en-GB" sz="2000" dirty="0">
-                <a:solidFill>
-                  <a:schemeClr val="accent6">
-                    <a:lumMod val="75000"/>
-                  </a:schemeClr>
-                </a:solidFill>
-                <a:latin typeface="Arial Rounded MT Bold" panose="020F0704030504030204" pitchFamily="34" charset="0"/>
-              </a:rPr>
-              <a:t>Amount of CO2 is proportional to the growth rate of trees.</a:t>
-            </a:r>
-          </a:p>
-          <a:p>
-            <a:pPr marL="342900" indent="-342900">
-              <a:buFont typeface="Wingdings" panose="05000000000000000000" pitchFamily="2" charset="2"/>
-              <a:buChar char="Ø"/>
-            </a:pPr>
-            <a:r>
-              <a:rPr lang="en-GB" sz="2000" dirty="0">
-                <a:solidFill>
-                  <a:schemeClr val="accent6">
-                    <a:lumMod val="75000"/>
-                  </a:schemeClr>
-                </a:solidFill>
-                <a:latin typeface="Arial Rounded MT Bold" panose="020F0704030504030204" pitchFamily="34" charset="0"/>
-              </a:rPr>
-              <a:t>Gain a basic understanding of tool.</a:t>
-            </a:r>
-          </a:p>
-        </p:txBody>
-      </p:sp>
-      <p:sp>
-        <p:nvSpPr>
-          <p:cNvPr id="4" name="TextBox 3">
-            <a:extLst>
-              <a:ext uri="{FF2B5EF4-FFF2-40B4-BE49-F238E27FC236}">
-                <a16:creationId xmlns:a16="http://schemas.microsoft.com/office/drawing/2014/main" id="{34CF7137-E6E3-B7A2-DFBC-286B6B400491}"/>
-              </a:ext>
-            </a:extLst>
-          </p:cNvPr>
-          <p:cNvSpPr txBox="1"/>
-          <p:nvPr/>
-        </p:nvSpPr>
-        <p:spPr>
-          <a:xfrm>
-            <a:off x="430923" y="2823205"/>
-            <a:ext cx="11298622" cy="1508105"/>
-          </a:xfrm>
-          <a:prstGeom prst="rect">
-            <a:avLst/>
-          </a:prstGeom>
-          <a:noFill/>
-        </p:spPr>
-        <p:txBody>
-          <a:bodyPr wrap="square" rtlCol="0">
-            <a:spAutoFit/>
-          </a:bodyPr>
-          <a:lstStyle/>
-          <a:p>
-            <a:r>
-              <a:rPr lang="en-GB" sz="3200" dirty="0">
-                <a:solidFill>
-                  <a:schemeClr val="accent2"/>
-                </a:solidFill>
-                <a:latin typeface="Arial Rounded MT Bold" panose="020F0704030504030204" pitchFamily="34" charset="0"/>
-              </a:rPr>
-              <a:t>2. Set as high of a target income as possible.</a:t>
-            </a:r>
-            <a:endParaRPr lang="en-GB" sz="3200" dirty="0">
-              <a:solidFill>
-                <a:schemeClr val="accent6">
-                  <a:lumMod val="75000"/>
-                </a:schemeClr>
-              </a:solidFill>
-              <a:latin typeface="Arial Rounded MT Bold" panose="020F0704030504030204" pitchFamily="34" charset="0"/>
-            </a:endParaRPr>
-          </a:p>
-          <a:p>
-            <a:pPr marL="342900" indent="-342900">
-              <a:buFont typeface="Wingdings" panose="05000000000000000000" pitchFamily="2" charset="2"/>
-              <a:buChar char="Ø"/>
-            </a:pPr>
-            <a:r>
-              <a:rPr lang="en-GB" sz="2000" dirty="0">
-                <a:solidFill>
-                  <a:schemeClr val="accent2">
-                    <a:lumMod val="75000"/>
-                  </a:schemeClr>
-                </a:solidFill>
-                <a:latin typeface="Arial Rounded MT Bold" panose="020F0704030504030204" pitchFamily="34" charset="0"/>
-              </a:rPr>
-              <a:t>Streams of revenue from a forest is not limited to just Timber.</a:t>
-            </a:r>
-          </a:p>
-          <a:p>
-            <a:pPr marL="342900" indent="-342900">
-              <a:buFont typeface="Wingdings" panose="05000000000000000000" pitchFamily="2" charset="2"/>
-              <a:buChar char="Ø"/>
-            </a:pPr>
-            <a:r>
-              <a:rPr lang="en-GB" sz="2000" dirty="0">
-                <a:solidFill>
-                  <a:schemeClr val="accent2">
-                    <a:lumMod val="75000"/>
-                  </a:schemeClr>
-                </a:solidFill>
-                <a:latin typeface="Arial Rounded MT Bold" panose="020F0704030504030204" pitchFamily="34" charset="0"/>
-              </a:rPr>
-              <a:t>Most revenue streams other than Timber are less reliable and less income generating.</a:t>
-            </a:r>
-          </a:p>
-          <a:p>
-            <a:pPr marL="342900" indent="-342900">
-              <a:buFont typeface="Wingdings" panose="05000000000000000000" pitchFamily="2" charset="2"/>
-              <a:buChar char="Ø"/>
-            </a:pPr>
-            <a:r>
-              <a:rPr lang="en-GB" sz="2000" dirty="0">
-                <a:solidFill>
-                  <a:schemeClr val="accent2">
-                    <a:lumMod val="75000"/>
-                  </a:schemeClr>
-                </a:solidFill>
-                <a:latin typeface="Arial Rounded MT Bold" panose="020F0704030504030204" pitchFamily="34" charset="0"/>
-              </a:rPr>
-              <a:t>Get a good feel for the tool.</a:t>
-            </a:r>
-          </a:p>
-        </p:txBody>
-      </p:sp>
-      <p:sp>
-        <p:nvSpPr>
-          <p:cNvPr id="5" name="TextBox 4">
-            <a:extLst>
-              <a:ext uri="{FF2B5EF4-FFF2-40B4-BE49-F238E27FC236}">
-                <a16:creationId xmlns:a16="http://schemas.microsoft.com/office/drawing/2014/main" id="{C956D538-E172-2828-3CFC-64E8E8BA062C}"/>
-              </a:ext>
-            </a:extLst>
-          </p:cNvPr>
-          <p:cNvSpPr txBox="1"/>
-          <p:nvPr/>
-        </p:nvSpPr>
-        <p:spPr>
-          <a:xfrm>
-            <a:off x="430923" y="4477743"/>
-            <a:ext cx="11298622" cy="2616101"/>
-          </a:xfrm>
-          <a:prstGeom prst="rect">
-            <a:avLst/>
-          </a:prstGeom>
-          <a:noFill/>
-        </p:spPr>
-        <p:txBody>
-          <a:bodyPr wrap="square" rtlCol="0">
-            <a:spAutoFit/>
-          </a:bodyPr>
-          <a:lstStyle/>
-          <a:p>
-            <a:r>
-              <a:rPr lang="en-GB" sz="3200" dirty="0">
-                <a:solidFill>
-                  <a:srgbClr val="4169E1"/>
-                </a:solidFill>
-                <a:latin typeface="Arial Rounded MT Bold" panose="020F0704030504030204" pitchFamily="34" charset="0"/>
-              </a:rPr>
-              <a:t>3. Try to maximize both income and CO2 sequestration.</a:t>
-            </a:r>
-          </a:p>
-          <a:p>
-            <a:pPr marL="457200" indent="-457200">
-              <a:buFont typeface="Wingdings" panose="05000000000000000000" pitchFamily="2" charset="2"/>
-              <a:buChar char="Ø"/>
-            </a:pPr>
-            <a:r>
-              <a:rPr lang="en-GB" sz="2000" dirty="0">
-                <a:solidFill>
-                  <a:schemeClr val="accent1">
-                    <a:lumMod val="75000"/>
-                  </a:schemeClr>
-                </a:solidFill>
-                <a:latin typeface="Arial Rounded MT Bold" panose="020F0704030504030204" pitchFamily="34" charset="0"/>
-              </a:rPr>
-              <a:t>Stumble upon sustainable forest management practices like intermittent plantation.</a:t>
-            </a:r>
-          </a:p>
-          <a:p>
-            <a:pPr marL="457200" indent="-457200">
-              <a:buFont typeface="Wingdings" panose="05000000000000000000" pitchFamily="2" charset="2"/>
-              <a:buChar char="Ø"/>
-            </a:pPr>
-            <a:r>
-              <a:rPr lang="en-GB" sz="2000" dirty="0">
-                <a:solidFill>
-                  <a:schemeClr val="accent1">
-                    <a:lumMod val="75000"/>
-                  </a:schemeClr>
-                </a:solidFill>
-                <a:latin typeface="Arial Rounded MT Bold" panose="020F0704030504030204" pitchFamily="34" charset="0"/>
-              </a:rPr>
-              <a:t>Minimising reliance of Timber and determining the correct amount of reliance of different less stable climate friendly sources of income from the forest is challenging.</a:t>
-            </a:r>
-          </a:p>
-          <a:p>
-            <a:pPr marL="457200" indent="-457200">
-              <a:buFont typeface="Wingdings" panose="05000000000000000000" pitchFamily="2" charset="2"/>
-              <a:buChar char="Ø"/>
-            </a:pPr>
-            <a:r>
-              <a:rPr lang="en-GB" sz="2000" dirty="0">
-                <a:solidFill>
-                  <a:schemeClr val="accent1">
-                    <a:lumMod val="75000"/>
-                  </a:schemeClr>
-                </a:solidFill>
-                <a:latin typeface="Arial Rounded MT Bold" panose="020F0704030504030204" pitchFamily="34" charset="0"/>
-              </a:rPr>
-              <a:t>This is challenging and profit margin may be lower, but using forests as carbon sinks is economically viable.</a:t>
-            </a:r>
-          </a:p>
-          <a:p>
-            <a:pPr marL="457200" indent="-457200">
-              <a:buFont typeface="Wingdings" panose="05000000000000000000" pitchFamily="2" charset="2"/>
-              <a:buChar char="Ø"/>
-            </a:pPr>
-            <a:endParaRPr lang="en-GB" sz="3200" dirty="0">
-              <a:solidFill>
-                <a:srgbClr val="4169E1"/>
-              </a:solidFill>
-              <a:latin typeface="Arial Rounded MT Bold" panose="020F0704030504030204" pitchFamily="34" charset="0"/>
-            </a:endParaRPr>
-          </a:p>
-        </p:txBody>
-      </p:sp>
-      <p:sp>
-        <p:nvSpPr>
-          <p:cNvPr id="6" name="TextBox 5">
-            <a:extLst>
-              <a:ext uri="{FF2B5EF4-FFF2-40B4-BE49-F238E27FC236}">
-                <a16:creationId xmlns:a16="http://schemas.microsoft.com/office/drawing/2014/main" id="{99706371-9B61-BA63-4986-F6A76FF4ED4D}"/>
-              </a:ext>
-            </a:extLst>
-          </p:cNvPr>
-          <p:cNvSpPr txBox="1"/>
-          <p:nvPr/>
-        </p:nvSpPr>
-        <p:spPr>
-          <a:xfrm>
-            <a:off x="430924" y="273269"/>
-            <a:ext cx="2280745" cy="523220"/>
-          </a:xfrm>
-          <a:prstGeom prst="rect">
-            <a:avLst/>
-          </a:prstGeom>
-          <a:noFill/>
-        </p:spPr>
-        <p:txBody>
-          <a:bodyPr wrap="square" rtlCol="0">
-            <a:spAutoFit/>
-          </a:bodyPr>
-          <a:lstStyle/>
-          <a:p>
-            <a:r>
-              <a:rPr lang="en-GB" sz="2800" dirty="0">
-                <a:latin typeface="Arial Rounded MT Bold" panose="020F0704030504030204" pitchFamily="34" charset="0"/>
-              </a:rPr>
-              <a:t>World Goals</a:t>
-            </a:r>
-            <a:endParaRPr lang="en-US" sz="2800" dirty="0">
-              <a:latin typeface="Arial Rounded MT Bold" panose="020F0704030504030204" pitchFamily="34" charset="0"/>
-            </a:endParaRPr>
-          </a:p>
-        </p:txBody>
-      </p:sp>
-    </p:spTree>
-    <p:extLst>
-      <p:ext uri="{BB962C8B-B14F-4D97-AF65-F5344CB8AC3E}">
-        <p14:creationId xmlns:p14="http://schemas.microsoft.com/office/powerpoint/2010/main" val="742500388"/>
+        <p14:creationId xmlns:p14="http://schemas.microsoft.com/office/powerpoint/2010/main" val="2285331621"/>
       </p:ext>
     </p:extLst>
   </p:cSld>
